--- a/hierarchical model mini lecture.pptx
+++ b/hierarchical model mini lecture.pptx
@@ -32,23 +32,21 @@
     <p:sldId id="277" r:id="rId27"/>
     <p:sldId id="278" r:id="rId28"/>
     <p:sldId id="279" r:id="rId29"/>
-    <p:sldId id="280" r:id="rId30"/>
-    <p:sldId id="281" r:id="rId31"/>
   </p:sldIdLst>
   <p:sldSz cy="5143500" cx="9144000"/>
   <p:notesSz cx="6858000" cy="9144000"/>
   <p:embeddedFontLst>
     <p:embeddedFont>
       <p:font typeface="PT Sans Narrow"/>
-      <p:regular r:id="rId32"/>
-      <p:bold r:id="rId33"/>
+      <p:regular r:id="rId30"/>
+      <p:bold r:id="rId31"/>
     </p:embeddedFont>
     <p:embeddedFont>
       <p:font typeface="Open Sans"/>
-      <p:regular r:id="rId34"/>
-      <p:bold r:id="rId35"/>
-      <p:italic r:id="rId36"/>
-      <p:boldItalic r:id="rId37"/>
+      <p:regular r:id="rId32"/>
+      <p:bold r:id="rId33"/>
+      <p:italic r:id="rId34"/>
+      <p:boldItalic r:id="rId35"/>
     </p:embeddedFont>
   </p:embeddedFontLst>
   <p:defaultTextStyle>
@@ -829,7 +827,7 @@
   <p:cSld>
     <p:spTree>
       <p:nvGrpSpPr>
-        <p:cNvPr id="118" name="Shape 118"/>
+        <p:cNvPr id="119" name="Shape 119"/>
         <p:cNvGrpSpPr/>
         <p:nvPr/>
       </p:nvGrpSpPr>
@@ -843,7 +841,7 @@
       </p:grpSpPr>
       <p:sp>
         <p:nvSpPr>
-          <p:cNvPr id="119" name="Google Shape;119;gfc17603e8e_0_39:notes"/>
+          <p:cNvPr id="120" name="Google Shape;120;gfc17603e8e_0_70:notes"/>
           <p:cNvSpPr/>
           <p:nvPr>
             <p:ph idx="2" type="sldImg"/>
@@ -878,7 +876,7 @@
       </p:sp>
       <p:sp>
         <p:nvSpPr>
-          <p:cNvPr id="120" name="Google Shape;120;gfc17603e8e_0_39:notes"/>
+          <p:cNvPr id="121" name="Google Shape;121;gfc17603e8e_0_70:notes"/>
           <p:cNvSpPr txBox="1"/>
           <p:nvPr>
             <p:ph idx="1" type="body"/>
@@ -942,7 +940,7 @@
       </p:grpSpPr>
       <p:sp>
         <p:nvSpPr>
-          <p:cNvPr id="126" name="Google Shape;126;gfc17603e8e_0_70:notes"/>
+          <p:cNvPr id="126" name="Google Shape;126;gfc17603e8e_0_56:notes"/>
           <p:cNvSpPr/>
           <p:nvPr>
             <p:ph idx="2" type="sldImg"/>
@@ -977,7 +975,7 @@
       </p:sp>
       <p:sp>
         <p:nvSpPr>
-          <p:cNvPr id="127" name="Google Shape;127;gfc17603e8e_0_70:notes"/>
+          <p:cNvPr id="127" name="Google Shape;127;gfc17603e8e_0_56:notes"/>
           <p:cNvSpPr txBox="1"/>
           <p:nvPr>
             <p:ph idx="1" type="body"/>
@@ -1027,7 +1025,7 @@
   <p:cSld>
     <p:spTree>
       <p:nvGrpSpPr>
-        <p:cNvPr id="131" name="Shape 131"/>
+        <p:cNvPr id="132" name="Shape 132"/>
         <p:cNvGrpSpPr/>
         <p:nvPr/>
       </p:nvGrpSpPr>
@@ -1041,7 +1039,7 @@
       </p:grpSpPr>
       <p:sp>
         <p:nvSpPr>
-          <p:cNvPr id="132" name="Google Shape;132;gfc17603e8e_0_50:notes"/>
+          <p:cNvPr id="133" name="Google Shape;133;gfc17603e8e_0_63:notes"/>
           <p:cNvSpPr/>
           <p:nvPr>
             <p:ph idx="2" type="sldImg"/>
@@ -1076,7 +1074,7 @@
       </p:sp>
       <p:sp>
         <p:nvSpPr>
-          <p:cNvPr id="133" name="Google Shape;133;gfc17603e8e_0_50:notes"/>
+          <p:cNvPr id="134" name="Google Shape;134;gfc17603e8e_0_63:notes"/>
           <p:cNvSpPr txBox="1"/>
           <p:nvPr>
             <p:ph idx="1" type="body"/>
@@ -1126,7 +1124,7 @@
   <p:cSld>
     <p:spTree>
       <p:nvGrpSpPr>
-        <p:cNvPr id="138" name="Shape 138"/>
+        <p:cNvPr id="140" name="Shape 140"/>
         <p:cNvGrpSpPr/>
         <p:nvPr/>
       </p:nvGrpSpPr>
@@ -1140,7 +1138,7 @@
       </p:grpSpPr>
       <p:sp>
         <p:nvSpPr>
-          <p:cNvPr id="139" name="Google Shape;139;gfc17603e8e_0_56:notes"/>
+          <p:cNvPr id="141" name="Google Shape;141;gfc17603e8e_0_78:notes"/>
           <p:cNvSpPr/>
           <p:nvPr>
             <p:ph idx="2" type="sldImg"/>
@@ -1175,7 +1173,7 @@
       </p:sp>
       <p:sp>
         <p:nvSpPr>
-          <p:cNvPr id="140" name="Google Shape;140;gfc17603e8e_0_56:notes"/>
+          <p:cNvPr id="142" name="Google Shape;142;gfc17603e8e_0_78:notes"/>
           <p:cNvSpPr txBox="1"/>
           <p:nvPr>
             <p:ph idx="1" type="body"/>
@@ -1225,7 +1223,7 @@
   <p:cSld>
     <p:spTree>
       <p:nvGrpSpPr>
-        <p:cNvPr id="145" name="Shape 145"/>
+        <p:cNvPr id="147" name="Shape 147"/>
         <p:cNvGrpSpPr/>
         <p:nvPr/>
       </p:nvGrpSpPr>
@@ -1239,7 +1237,7 @@
       </p:grpSpPr>
       <p:sp>
         <p:nvSpPr>
-          <p:cNvPr id="146" name="Google Shape;146;gfc17603e8e_0_63:notes"/>
+          <p:cNvPr id="148" name="Google Shape;148;gfc17603e8e_0_93:notes"/>
           <p:cNvSpPr/>
           <p:nvPr>
             <p:ph idx="2" type="sldImg"/>
@@ -1274,7 +1272,7 @@
       </p:sp>
       <p:sp>
         <p:nvSpPr>
-          <p:cNvPr id="147" name="Google Shape;147;gfc17603e8e_0_63:notes"/>
+          <p:cNvPr id="149" name="Google Shape;149;gfc17603e8e_0_93:notes"/>
           <p:cNvSpPr txBox="1"/>
           <p:nvPr>
             <p:ph idx="1" type="body"/>
@@ -1324,7 +1322,7 @@
   <p:cSld>
     <p:spTree>
       <p:nvGrpSpPr>
-        <p:cNvPr id="153" name="Shape 153"/>
+        <p:cNvPr id="155" name="Shape 155"/>
         <p:cNvGrpSpPr/>
         <p:nvPr/>
       </p:nvGrpSpPr>
@@ -1338,7 +1336,7 @@
       </p:grpSpPr>
       <p:sp>
         <p:nvSpPr>
-          <p:cNvPr id="154" name="Google Shape;154;gfc17603e8e_0_78:notes"/>
+          <p:cNvPr id="156" name="Google Shape;156;gfc17603e8e_0_100:notes"/>
           <p:cNvSpPr/>
           <p:nvPr>
             <p:ph idx="2" type="sldImg"/>
@@ -1373,7 +1371,7 @@
       </p:sp>
       <p:sp>
         <p:nvSpPr>
-          <p:cNvPr id="155" name="Google Shape;155;gfc17603e8e_0_78:notes"/>
+          <p:cNvPr id="157" name="Google Shape;157;gfc17603e8e_0_100:notes"/>
           <p:cNvSpPr txBox="1"/>
           <p:nvPr>
             <p:ph idx="1" type="body"/>
@@ -1423,7 +1421,7 @@
   <p:cSld>
     <p:spTree>
       <p:nvGrpSpPr>
-        <p:cNvPr id="160" name="Shape 160"/>
+        <p:cNvPr id="162" name="Shape 162"/>
         <p:cNvGrpSpPr/>
         <p:nvPr/>
       </p:nvGrpSpPr>
@@ -1437,7 +1435,7 @@
       </p:grpSpPr>
       <p:sp>
         <p:nvSpPr>
-          <p:cNvPr id="161" name="Google Shape;161;gfc17603e8e_0_93:notes"/>
+          <p:cNvPr id="163" name="Google Shape;163;gfc17603e8e_0_108:notes"/>
           <p:cNvSpPr/>
           <p:nvPr>
             <p:ph idx="2" type="sldImg"/>
@@ -1472,7 +1470,7 @@
       </p:sp>
       <p:sp>
         <p:nvSpPr>
-          <p:cNvPr id="162" name="Google Shape;162;gfc17603e8e_0_93:notes"/>
+          <p:cNvPr id="164" name="Google Shape;164;gfc17603e8e_0_108:notes"/>
           <p:cNvSpPr txBox="1"/>
           <p:nvPr>
             <p:ph idx="1" type="body"/>
@@ -1522,7 +1520,7 @@
   <p:cSld>
     <p:spTree>
       <p:nvGrpSpPr>
-        <p:cNvPr id="168" name="Shape 168"/>
+        <p:cNvPr id="169" name="Shape 169"/>
         <p:cNvGrpSpPr/>
         <p:nvPr/>
       </p:nvGrpSpPr>
@@ -1536,7 +1534,7 @@
       </p:grpSpPr>
       <p:sp>
         <p:nvSpPr>
-          <p:cNvPr id="169" name="Google Shape;169;gfc17603e8e_0_100:notes"/>
+          <p:cNvPr id="170" name="Google Shape;170;gfc17603e8e_0_121:notes"/>
           <p:cNvSpPr/>
           <p:nvPr>
             <p:ph idx="2" type="sldImg"/>
@@ -1571,7 +1569,7 @@
       </p:sp>
       <p:sp>
         <p:nvSpPr>
-          <p:cNvPr id="170" name="Google Shape;170;gfc17603e8e_0_100:notes"/>
+          <p:cNvPr id="171" name="Google Shape;171;gfc17603e8e_0_121:notes"/>
           <p:cNvSpPr txBox="1"/>
           <p:nvPr>
             <p:ph idx="1" type="body"/>
@@ -1621,7 +1619,7 @@
   <p:cSld>
     <p:spTree>
       <p:nvGrpSpPr>
-        <p:cNvPr id="175" name="Shape 175"/>
+        <p:cNvPr id="176" name="Shape 176"/>
         <p:cNvGrpSpPr/>
         <p:nvPr/>
       </p:nvGrpSpPr>
@@ -1635,7 +1633,7 @@
       </p:grpSpPr>
       <p:sp>
         <p:nvSpPr>
-          <p:cNvPr id="176" name="Google Shape;176;gfc17603e8e_0_108:notes"/>
+          <p:cNvPr id="177" name="Google Shape;177;gfc17603e8e_0_115:notes"/>
           <p:cNvSpPr/>
           <p:nvPr>
             <p:ph idx="2" type="sldImg"/>
@@ -1670,7 +1668,7 @@
       </p:sp>
       <p:sp>
         <p:nvSpPr>
-          <p:cNvPr id="177" name="Google Shape;177;gfc17603e8e_0_108:notes"/>
+          <p:cNvPr id="178" name="Google Shape;178;gfc17603e8e_0_115:notes"/>
           <p:cNvSpPr txBox="1"/>
           <p:nvPr>
             <p:ph idx="1" type="body"/>
@@ -1720,7 +1718,7 @@
   <p:cSld>
     <p:spTree>
       <p:nvGrpSpPr>
-        <p:cNvPr id="182" name="Shape 182"/>
+        <p:cNvPr id="184" name="Shape 184"/>
         <p:cNvGrpSpPr/>
         <p:nvPr/>
       </p:nvGrpSpPr>
@@ -1734,7 +1732,7 @@
       </p:grpSpPr>
       <p:sp>
         <p:nvSpPr>
-          <p:cNvPr id="183" name="Google Shape;183;gfc17603e8e_0_121:notes"/>
+          <p:cNvPr id="185" name="Google Shape;185;gfc17603e8e_0_131:notes"/>
           <p:cNvSpPr/>
           <p:nvPr>
             <p:ph idx="2" type="sldImg"/>
@@ -1769,7 +1767,7 @@
       </p:sp>
       <p:sp>
         <p:nvSpPr>
-          <p:cNvPr id="184" name="Google Shape;184;gfc17603e8e_0_121:notes"/>
+          <p:cNvPr id="186" name="Google Shape;186;gfc17603e8e_0_131:notes"/>
           <p:cNvSpPr txBox="1"/>
           <p:nvPr>
             <p:ph idx="1" type="body"/>
@@ -1918,7 +1916,7 @@
   <p:cSld>
     <p:spTree>
       <p:nvGrpSpPr>
-        <p:cNvPr id="189" name="Shape 189"/>
+        <p:cNvPr id="191" name="Shape 191"/>
         <p:cNvGrpSpPr/>
         <p:nvPr/>
       </p:nvGrpSpPr>
@@ -1932,7 +1930,7 @@
       </p:grpSpPr>
       <p:sp>
         <p:nvSpPr>
-          <p:cNvPr id="190" name="Google Shape;190;gfc17603e8e_0_115:notes"/>
+          <p:cNvPr id="192" name="Google Shape;192;gfc17603e8e_0_140:notes"/>
           <p:cNvSpPr/>
           <p:nvPr>
             <p:ph idx="2" type="sldImg"/>
@@ -1967,7 +1965,7 @@
       </p:sp>
       <p:sp>
         <p:nvSpPr>
-          <p:cNvPr id="191" name="Google Shape;191;gfc17603e8e_0_115:notes"/>
+          <p:cNvPr id="193" name="Google Shape;193;gfc17603e8e_0_140:notes"/>
           <p:cNvSpPr txBox="1"/>
           <p:nvPr>
             <p:ph idx="1" type="body"/>
@@ -2017,7 +2015,7 @@
   <p:cSld>
     <p:spTree>
       <p:nvGrpSpPr>
-        <p:cNvPr id="197" name="Shape 197"/>
+        <p:cNvPr id="199" name="Shape 199"/>
         <p:cNvGrpSpPr/>
         <p:nvPr/>
       </p:nvGrpSpPr>
@@ -2031,7 +2029,7 @@
       </p:grpSpPr>
       <p:sp>
         <p:nvSpPr>
-          <p:cNvPr id="198" name="Google Shape;198;gfc17603e8e_0_131:notes"/>
+          <p:cNvPr id="200" name="Google Shape;200;gfc17603e8e_0_150:notes"/>
           <p:cNvSpPr/>
           <p:nvPr>
             <p:ph idx="2" type="sldImg"/>
@@ -2066,7 +2064,7 @@
       </p:sp>
       <p:sp>
         <p:nvSpPr>
-          <p:cNvPr id="199" name="Google Shape;199;gfc17603e8e_0_131:notes"/>
+          <p:cNvPr id="201" name="Google Shape;201;gfc17603e8e_0_150:notes"/>
           <p:cNvSpPr txBox="1"/>
           <p:nvPr>
             <p:ph idx="1" type="body"/>
@@ -2116,7 +2114,7 @@
   <p:cSld>
     <p:spTree>
       <p:nvGrpSpPr>
-        <p:cNvPr id="204" name="Shape 204"/>
+        <p:cNvPr id="206" name="Shape 206"/>
         <p:cNvGrpSpPr/>
         <p:nvPr/>
       </p:nvGrpSpPr>
@@ -2130,7 +2128,7 @@
       </p:grpSpPr>
       <p:sp>
         <p:nvSpPr>
-          <p:cNvPr id="205" name="Google Shape;205;gfc17603e8e_0_140:notes"/>
+          <p:cNvPr id="207" name="Google Shape;207;gfc17603e8e_0_157:notes"/>
           <p:cNvSpPr/>
           <p:nvPr>
             <p:ph idx="2" type="sldImg"/>
@@ -2165,7 +2163,7 @@
       </p:sp>
       <p:sp>
         <p:nvSpPr>
-          <p:cNvPr id="206" name="Google Shape;206;gfc17603e8e_0_140:notes"/>
+          <p:cNvPr id="208" name="Google Shape;208;gfc17603e8e_0_157:notes"/>
           <p:cNvSpPr txBox="1"/>
           <p:nvPr>
             <p:ph idx="1" type="body"/>
@@ -2215,7 +2213,7 @@
   <p:cSld>
     <p:spTree>
       <p:nvGrpSpPr>
-        <p:cNvPr id="212" name="Shape 212"/>
+        <p:cNvPr id="213" name="Shape 213"/>
         <p:cNvGrpSpPr/>
         <p:nvPr/>
       </p:nvGrpSpPr>
@@ -2229,7 +2227,7 @@
       </p:grpSpPr>
       <p:sp>
         <p:nvSpPr>
-          <p:cNvPr id="213" name="Google Shape;213;gfc17603e8e_0_150:notes"/>
+          <p:cNvPr id="214" name="Google Shape;214;gfc17603e8e_0_164:notes"/>
           <p:cNvSpPr/>
           <p:nvPr>
             <p:ph idx="2" type="sldImg"/>
@@ -2264,7 +2262,7 @@
       </p:sp>
       <p:sp>
         <p:nvSpPr>
-          <p:cNvPr id="214" name="Google Shape;214;gfc17603e8e_0_150:notes"/>
+          <p:cNvPr id="215" name="Google Shape;215;gfc17603e8e_0_164:notes"/>
           <p:cNvSpPr txBox="1"/>
           <p:nvPr>
             <p:ph idx="1" type="body"/>
@@ -2328,7 +2326,7 @@
       </p:grpSpPr>
       <p:sp>
         <p:nvSpPr>
-          <p:cNvPr id="220" name="Google Shape;220;gfc17603e8e_0_157:notes"/>
+          <p:cNvPr id="220" name="Google Shape;220;gfc17603e8e_0_172:notes"/>
           <p:cNvSpPr/>
           <p:nvPr>
             <p:ph idx="2" type="sldImg"/>
@@ -2363,205 +2361,7 @@
       </p:sp>
       <p:sp>
         <p:nvSpPr>
-          <p:cNvPr id="221" name="Google Shape;221;gfc17603e8e_0_157:notes"/>
-          <p:cNvSpPr txBox="1"/>
-          <p:nvPr>
-            <p:ph idx="1" type="body"/>
-          </p:nvPr>
-        </p:nvSpPr>
-        <p:spPr>
-          <a:xfrm>
-            <a:off x="685800" y="4343400"/>
-            <a:ext cx="5486400" cy="4114800"/>
-          </a:xfrm>
-          <a:prstGeom prst="rect">
-            <a:avLst/>
-          </a:prstGeom>
-        </p:spPr>
-        <p:txBody>
-          <a:bodyPr anchorCtr="0" anchor="t" bIns="91425" lIns="91425" spcFirstLastPara="1" rIns="91425" wrap="square" tIns="91425">
-            <a:noAutofit/>
-          </a:bodyPr>
-          <a:lstStyle/>
-          <a:p>
-            <a:pPr indent="0" lvl="0" marL="0" rtl="0" algn="l">
-              <a:spcBef>
-                <a:spcPts val="0"/>
-              </a:spcBef>
-              <a:spcAft>
-                <a:spcPts val="0"/>
-              </a:spcAft>
-              <a:buNone/>
-            </a:pPr>
-            <a:r>
-              <a:t/>
-            </a:r>
-            <a:endParaRPr/>
-          </a:p>
-        </p:txBody>
-      </p:sp>
-    </p:spTree>
-  </p:cSld>
-  <p:clrMapOvr>
-    <a:masterClrMapping/>
-  </p:clrMapOvr>
-</p:notes>
-</file>
-
-<file path=ppt/notesSlides/notesSlide25.xml><?xml version="1.0" encoding="utf-8"?>
-<p:notes xmlns:a="http://schemas.openxmlformats.org/drawingml/2006/main" xmlns:r="http://schemas.openxmlformats.org/officeDocument/2006/relationships" xmlns:mc="http://schemas.openxmlformats.org/markup-compatibility/2006" xmlns:mv="urn:schemas-microsoft-com:mac:vml" xmlns:p="http://schemas.openxmlformats.org/presentationml/2006/main" xmlns:c="http://schemas.openxmlformats.org/drawingml/2006/chart" xmlns:dgm="http://schemas.openxmlformats.org/drawingml/2006/diagram" xmlns:o="urn:schemas-microsoft-com:office:office" xmlns:v="urn:schemas-microsoft-com:vml" xmlns:pvml="urn:schemas-microsoft-com:office:powerpoint" xmlns:com="http://schemas.openxmlformats.org/drawingml/2006/compatibility" xmlns:p14="http://schemas.microsoft.com/office/powerpoint/2010/main" xmlns:p15="http://schemas.microsoft.com/office/powerpoint/2012/main" xmlns:ahyp="http://schemas.microsoft.com/office/drawing/2018/hyperlinkcolor" showMasterPhAnim="0" showMasterSp="0">
-  <p:cSld>
-    <p:spTree>
-      <p:nvGrpSpPr>
-        <p:cNvPr id="226" name="Shape 226"/>
-        <p:cNvGrpSpPr/>
-        <p:nvPr/>
-      </p:nvGrpSpPr>
-      <p:grpSpPr>
-        <a:xfrm>
-          <a:off x="0" y="0"/>
-          <a:ext cx="0" cy="0"/>
-          <a:chOff x="0" y="0"/>
-          <a:chExt cx="0" cy="0"/>
-        </a:xfrm>
-      </p:grpSpPr>
-      <p:sp>
-        <p:nvSpPr>
-          <p:cNvPr id="227" name="Google Shape;227;gfc17603e8e_0_164:notes"/>
-          <p:cNvSpPr/>
-          <p:nvPr>
-            <p:ph idx="2" type="sldImg"/>
-          </p:nvPr>
-        </p:nvSpPr>
-        <p:spPr>
-          <a:xfrm>
-            <a:off x="381300" y="685800"/>
-            <a:ext cx="6096000" cy="3429000"/>
-          </a:xfrm>
-          <a:custGeom>
-            <a:rect b="b" l="l" r="r" t="t"/>
-            <a:pathLst>
-              <a:path extrusionOk="0" h="120000" w="120000">
-                <a:moveTo>
-                  <a:pt x="0" y="0"/>
-                </a:moveTo>
-                <a:lnTo>
-                  <a:pt x="120000" y="0"/>
-                </a:lnTo>
-                <a:lnTo>
-                  <a:pt x="120000" y="120000"/>
-                </a:lnTo>
-                <a:lnTo>
-                  <a:pt x="0" y="120000"/>
-                </a:lnTo>
-                <a:close/>
-              </a:path>
-            </a:pathLst>
-          </a:custGeom>
-        </p:spPr>
-      </p:sp>
-      <p:sp>
-        <p:nvSpPr>
-          <p:cNvPr id="228" name="Google Shape;228;gfc17603e8e_0_164:notes"/>
-          <p:cNvSpPr txBox="1"/>
-          <p:nvPr>
-            <p:ph idx="1" type="body"/>
-          </p:nvPr>
-        </p:nvSpPr>
-        <p:spPr>
-          <a:xfrm>
-            <a:off x="685800" y="4343400"/>
-            <a:ext cx="5486400" cy="4114800"/>
-          </a:xfrm>
-          <a:prstGeom prst="rect">
-            <a:avLst/>
-          </a:prstGeom>
-        </p:spPr>
-        <p:txBody>
-          <a:bodyPr anchorCtr="0" anchor="t" bIns="91425" lIns="91425" spcFirstLastPara="1" rIns="91425" wrap="square" tIns="91425">
-            <a:noAutofit/>
-          </a:bodyPr>
-          <a:lstStyle/>
-          <a:p>
-            <a:pPr indent="0" lvl="0" marL="0" rtl="0" algn="l">
-              <a:spcBef>
-                <a:spcPts val="0"/>
-              </a:spcBef>
-              <a:spcAft>
-                <a:spcPts val="0"/>
-              </a:spcAft>
-              <a:buNone/>
-            </a:pPr>
-            <a:r>
-              <a:t/>
-            </a:r>
-            <a:endParaRPr/>
-          </a:p>
-        </p:txBody>
-      </p:sp>
-    </p:spTree>
-  </p:cSld>
-  <p:clrMapOvr>
-    <a:masterClrMapping/>
-  </p:clrMapOvr>
-</p:notes>
-</file>
-
-<file path=ppt/notesSlides/notesSlide26.xml><?xml version="1.0" encoding="utf-8"?>
-<p:notes xmlns:a="http://schemas.openxmlformats.org/drawingml/2006/main" xmlns:r="http://schemas.openxmlformats.org/officeDocument/2006/relationships" xmlns:mc="http://schemas.openxmlformats.org/markup-compatibility/2006" xmlns:mv="urn:schemas-microsoft-com:mac:vml" xmlns:p="http://schemas.openxmlformats.org/presentationml/2006/main" xmlns:c="http://schemas.openxmlformats.org/drawingml/2006/chart" xmlns:dgm="http://schemas.openxmlformats.org/drawingml/2006/diagram" xmlns:o="urn:schemas-microsoft-com:office:office" xmlns:v="urn:schemas-microsoft-com:vml" xmlns:pvml="urn:schemas-microsoft-com:office:powerpoint" xmlns:com="http://schemas.openxmlformats.org/drawingml/2006/compatibility" xmlns:p14="http://schemas.microsoft.com/office/powerpoint/2010/main" xmlns:p15="http://schemas.microsoft.com/office/powerpoint/2012/main" xmlns:ahyp="http://schemas.microsoft.com/office/drawing/2018/hyperlinkcolor" showMasterPhAnim="0" showMasterSp="0">
-  <p:cSld>
-    <p:spTree>
-      <p:nvGrpSpPr>
-        <p:cNvPr id="232" name="Shape 232"/>
-        <p:cNvGrpSpPr/>
-        <p:nvPr/>
-      </p:nvGrpSpPr>
-      <p:grpSpPr>
-        <a:xfrm>
-          <a:off x="0" y="0"/>
-          <a:ext cx="0" cy="0"/>
-          <a:chOff x="0" y="0"/>
-          <a:chExt cx="0" cy="0"/>
-        </a:xfrm>
-      </p:grpSpPr>
-      <p:sp>
-        <p:nvSpPr>
-          <p:cNvPr id="233" name="Google Shape;233;gfc17603e8e_0_172:notes"/>
-          <p:cNvSpPr/>
-          <p:nvPr>
-            <p:ph idx="2" type="sldImg"/>
-          </p:nvPr>
-        </p:nvSpPr>
-        <p:spPr>
-          <a:xfrm>
-            <a:off x="381300" y="685800"/>
-            <a:ext cx="6096000" cy="3429000"/>
-          </a:xfrm>
-          <a:custGeom>
-            <a:rect b="b" l="l" r="r" t="t"/>
-            <a:pathLst>
-              <a:path extrusionOk="0" h="120000" w="120000">
-                <a:moveTo>
-                  <a:pt x="0" y="0"/>
-                </a:moveTo>
-                <a:lnTo>
-                  <a:pt x="120000" y="0"/>
-                </a:lnTo>
-                <a:lnTo>
-                  <a:pt x="120000" y="120000"/>
-                </a:lnTo>
-                <a:lnTo>
-                  <a:pt x="0" y="120000"/>
-                </a:lnTo>
-                <a:close/>
-              </a:path>
-            </a:pathLst>
-          </a:custGeom>
-        </p:spPr>
-      </p:sp>
-      <p:sp>
-        <p:nvSpPr>
-          <p:cNvPr id="234" name="Google Shape;234;gfc17603e8e_0_172:notes"/>
+          <p:cNvPr id="221" name="Google Shape;221;gfc17603e8e_0_172:notes"/>
           <p:cNvSpPr txBox="1"/>
           <p:nvPr>
             <p:ph idx="1" type="body"/>
@@ -3120,7 +2920,7 @@
       </p:grpSpPr>
       <p:sp>
         <p:nvSpPr>
-          <p:cNvPr id="107" name="Google Shape;107;gfc17603e8e_0_29:notes"/>
+          <p:cNvPr id="107" name="Google Shape;107;gfc17603e8e_0_34:notes"/>
           <p:cNvSpPr/>
           <p:nvPr>
             <p:ph idx="2" type="sldImg"/>
@@ -3155,7 +2955,7 @@
       </p:sp>
       <p:sp>
         <p:nvSpPr>
-          <p:cNvPr id="108" name="Google Shape;108;gfc17603e8e_0_29:notes"/>
+          <p:cNvPr id="108" name="Google Shape;108;gfc17603e8e_0_34:notes"/>
           <p:cNvSpPr txBox="1"/>
           <p:nvPr>
             <p:ph idx="1" type="body"/>
@@ -3219,7 +3019,7 @@
       </p:grpSpPr>
       <p:sp>
         <p:nvSpPr>
-          <p:cNvPr id="113" name="Google Shape;113;gfc17603e8e_0_34:notes"/>
+          <p:cNvPr id="113" name="Google Shape;113;gfc17603e8e_0_39:notes"/>
           <p:cNvSpPr/>
           <p:nvPr>
             <p:ph idx="2" type="sldImg"/>
@@ -3254,7 +3054,7 @@
       </p:sp>
       <p:sp>
         <p:nvSpPr>
-          <p:cNvPr id="114" name="Google Shape;114;gfc17603e8e_0_34:notes"/>
+          <p:cNvPr id="114" name="Google Shape;114;gfc17603e8e_0_39:notes"/>
           <p:cNvSpPr txBox="1"/>
           <p:nvPr>
             <p:ph idx="1" type="body"/>
@@ -8803,7 +8603,7 @@
   <p:cSld>
     <p:spTree>
       <p:nvGrpSpPr>
-        <p:cNvPr id="121" name="Shape 121"/>
+        <p:cNvPr id="122" name="Shape 122"/>
         <p:cNvGrpSpPr/>
         <p:nvPr/>
       </p:nvGrpSpPr>
@@ -8817,7 +8617,7 @@
       </p:grpSpPr>
       <p:sp>
         <p:nvSpPr>
-          <p:cNvPr id="122" name="Google Shape;122;p22"/>
+          <p:cNvPr id="123" name="Google Shape;123;p22"/>
           <p:cNvSpPr txBox="1"/>
           <p:nvPr>
             <p:ph type="title"/>
@@ -8857,7 +8657,7 @@
       </p:sp>
       <p:sp>
         <p:nvSpPr>
-          <p:cNvPr id="123" name="Google Shape;123;p22"/>
+          <p:cNvPr id="124" name="Google Shape;124;p22"/>
           <p:cNvSpPr txBox="1"/>
           <p:nvPr>
             <p:ph idx="1" type="body"/>
@@ -8874,7 +8674,7 @@
         </p:spPr>
         <p:txBody>
           <a:bodyPr anchorCtr="0" anchor="t" bIns="91425" lIns="91425" spcFirstLastPara="1" rIns="91425" wrap="square" tIns="91425">
-            <a:normAutofit/>
+            <a:normAutofit lnSpcReduction="20000"/>
           </a:bodyPr>
           <a:lstStyle/>
           <a:p>
@@ -8897,7 +8697,117 @@
                 <a:cs typeface="Arial"/>
                 <a:sym typeface="Arial"/>
               </a:rPr>
-              <a:t>Dataset comes from The Associated Examining Board in Guildford.</a:t>
+              <a:t>Research Questions:</a:t>
+            </a:r>
+            <a:endParaRPr>
+              <a:highlight>
+                <a:schemeClr val="lt1"/>
+              </a:highlight>
+              <a:latin typeface="Arial"/>
+              <a:ea typeface="Arial"/>
+              <a:cs typeface="Arial"/>
+              <a:sym typeface="Arial"/>
+            </a:endParaRPr>
+          </a:p>
+          <a:p>
+            <a:pPr indent="0" lvl="0" marL="0" rtl="0" algn="l">
+              <a:spcBef>
+                <a:spcPts val="1800"/>
+              </a:spcBef>
+              <a:spcAft>
+                <a:spcPts val="0"/>
+              </a:spcAft>
+              <a:buNone/>
+            </a:pPr>
+            <a:r>
+              <a:rPr lang="en">
+                <a:latin typeface="Arial"/>
+                <a:ea typeface="Arial"/>
+                <a:cs typeface="Arial"/>
+                <a:sym typeface="Arial"/>
+              </a:rPr>
+              <a:t>1</a:t>
+            </a:r>
+            <a:r>
+              <a:rPr lang="en">
+                <a:latin typeface="Arial"/>
+                <a:ea typeface="Arial"/>
+                <a:cs typeface="Arial"/>
+                <a:sym typeface="Arial"/>
+              </a:rPr>
+              <a:t>. Examine the variability of paper grades across centers.</a:t>
+            </a:r>
+            <a:endParaRPr>
+              <a:latin typeface="Arial"/>
+              <a:ea typeface="Arial"/>
+              <a:cs typeface="Arial"/>
+              <a:sym typeface="Arial"/>
+            </a:endParaRPr>
+          </a:p>
+          <a:p>
+            <a:pPr indent="0" lvl="0" marL="0" rtl="0" algn="l">
+              <a:spcBef>
+                <a:spcPts val="1800"/>
+              </a:spcBef>
+              <a:spcAft>
+                <a:spcPts val="0"/>
+              </a:spcAft>
+              <a:buNone/>
+            </a:pPr>
+            <a:r>
+              <a:rPr lang="en">
+                <a:latin typeface="Arial"/>
+                <a:ea typeface="Arial"/>
+                <a:cs typeface="Arial"/>
+                <a:sym typeface="Arial"/>
+              </a:rPr>
+              <a:t>2. How is the coursework evaluation by professors relate to paper grade? </a:t>
+            </a:r>
+            <a:endParaRPr>
+              <a:latin typeface="Arial"/>
+              <a:ea typeface="Arial"/>
+              <a:cs typeface="Arial"/>
+              <a:sym typeface="Arial"/>
+            </a:endParaRPr>
+          </a:p>
+          <a:p>
+            <a:pPr indent="0" lvl="0" marL="0" rtl="0" algn="l">
+              <a:spcBef>
+                <a:spcPts val="1800"/>
+              </a:spcBef>
+              <a:spcAft>
+                <a:spcPts val="0"/>
+              </a:spcAft>
+              <a:buNone/>
+            </a:pPr>
+            <a:r>
+              <a:rPr lang="en">
+                <a:latin typeface="Arial"/>
+                <a:ea typeface="Arial"/>
+                <a:cs typeface="Arial"/>
+                <a:sym typeface="Arial"/>
+              </a:rPr>
+              <a:t>3. Whether gender of the student is associated with paper grade?</a:t>
+            </a:r>
+            <a:endParaRPr>
+              <a:latin typeface="Arial"/>
+              <a:ea typeface="Arial"/>
+              <a:cs typeface="Arial"/>
+              <a:sym typeface="Arial"/>
+            </a:endParaRPr>
+          </a:p>
+          <a:p>
+            <a:pPr indent="0" lvl="0" marL="0" rtl="0" algn="l">
+              <a:spcBef>
+                <a:spcPts val="1800"/>
+              </a:spcBef>
+              <a:spcAft>
+                <a:spcPts val="0"/>
+              </a:spcAft>
+              <a:buNone/>
+            </a:pPr>
+            <a:r>
+              <a:t/>
             </a:r>
             <a:endParaRPr>
               <a:highlight>
@@ -8960,34 +8870,6 @@
           </a:p>
         </p:txBody>
       </p:sp>
-      <p:pic>
-        <p:nvPicPr>
-          <p:cNvPr id="124" name="Google Shape;124;p22"/>
-          <p:cNvPicPr preferRelativeResize="0"/>
-          <p:nvPr/>
-        </p:nvPicPr>
-        <p:blipFill>
-          <a:blip r:embed="rId3">
-            <a:alphaModFix/>
-          </a:blip>
-          <a:stretch>
-            <a:fillRect/>
-          </a:stretch>
-        </p:blipFill>
-        <p:spPr>
-          <a:xfrm>
-            <a:off x="1220600" y="1848725"/>
-            <a:ext cx="5822400" cy="2640100"/>
-          </a:xfrm>
-          <a:prstGeom prst="rect">
-            <a:avLst/>
-          </a:prstGeom>
-          <a:noFill/>
-          <a:ln>
-            <a:noFill/>
-          </a:ln>
-        </p:spPr>
-      </p:pic>
     </p:spTree>
   </p:cSld>
   <p:clrMapOvr>
@@ -9047,7 +8929,7 @@
             </a:pPr>
             <a:r>
               <a:rPr lang="en"/>
-              <a:t>Background</a:t>
+              <a:t>EDA: paper</a:t>
             </a:r>
             <a:endParaRPr/>
           </a:p>
@@ -9072,155 +8954,13 @@
         </p:spPr>
         <p:txBody>
           <a:bodyPr anchorCtr="0" anchor="t" bIns="91425" lIns="91425" spcFirstLastPara="1" rIns="91425" wrap="square" tIns="91425">
-            <a:normAutofit lnSpcReduction="20000"/>
+            <a:normAutofit/>
           </a:bodyPr>
           <a:lstStyle/>
           <a:p>
             <a:pPr indent="0" lvl="0" marL="0" rtl="0" algn="l">
               <a:spcBef>
                 <a:spcPts val="0"/>
-              </a:spcBef>
-              <a:spcAft>
-                <a:spcPts val="0"/>
-              </a:spcAft>
-              <a:buNone/>
-            </a:pPr>
-            <a:r>
-              <a:rPr lang="en">
-                <a:highlight>
-                  <a:schemeClr val="lt1"/>
-                </a:highlight>
-                <a:latin typeface="Arial"/>
-                <a:ea typeface="Arial"/>
-                <a:cs typeface="Arial"/>
-                <a:sym typeface="Arial"/>
-              </a:rPr>
-              <a:t>Research Questions:</a:t>
-            </a:r>
-            <a:endParaRPr>
-              <a:highlight>
-                <a:schemeClr val="lt1"/>
-              </a:highlight>
-              <a:latin typeface="Arial"/>
-              <a:ea typeface="Arial"/>
-              <a:cs typeface="Arial"/>
-              <a:sym typeface="Arial"/>
-            </a:endParaRPr>
-          </a:p>
-          <a:p>
-            <a:pPr indent="0" lvl="0" marL="0" rtl="0" algn="l">
-              <a:spcBef>
-                <a:spcPts val="1800"/>
-              </a:spcBef>
-              <a:spcAft>
-                <a:spcPts val="0"/>
-              </a:spcAft>
-              <a:buNone/>
-            </a:pPr>
-            <a:r>
-              <a:rPr lang="en">
-                <a:latin typeface="Arial"/>
-                <a:ea typeface="Arial"/>
-                <a:cs typeface="Arial"/>
-                <a:sym typeface="Arial"/>
-              </a:rPr>
-              <a:t>1</a:t>
-            </a:r>
-            <a:r>
-              <a:rPr lang="en">
-                <a:latin typeface="Arial"/>
-                <a:ea typeface="Arial"/>
-                <a:cs typeface="Arial"/>
-                <a:sym typeface="Arial"/>
-              </a:rPr>
-              <a:t>. Examine the variability of paper grades across centers.</a:t>
-            </a:r>
-            <a:endParaRPr>
-              <a:latin typeface="Arial"/>
-              <a:ea typeface="Arial"/>
-              <a:cs typeface="Arial"/>
-              <a:sym typeface="Arial"/>
-            </a:endParaRPr>
-          </a:p>
-          <a:p>
-            <a:pPr indent="0" lvl="0" marL="0" rtl="0" algn="l">
-              <a:spcBef>
-                <a:spcPts val="1800"/>
-              </a:spcBef>
-              <a:spcAft>
-                <a:spcPts val="0"/>
-              </a:spcAft>
-              <a:buNone/>
-            </a:pPr>
-            <a:r>
-              <a:rPr lang="en">
-                <a:latin typeface="Arial"/>
-                <a:ea typeface="Arial"/>
-                <a:cs typeface="Arial"/>
-                <a:sym typeface="Arial"/>
-              </a:rPr>
-              <a:t>2. How is the coursework evaluation by professors relate to paper grade? </a:t>
-            </a:r>
-            <a:endParaRPr>
-              <a:latin typeface="Arial"/>
-              <a:ea typeface="Arial"/>
-              <a:cs typeface="Arial"/>
-              <a:sym typeface="Arial"/>
-            </a:endParaRPr>
-          </a:p>
-          <a:p>
-            <a:pPr indent="0" lvl="0" marL="0" rtl="0" algn="l">
-              <a:spcBef>
-                <a:spcPts val="1800"/>
-              </a:spcBef>
-              <a:spcAft>
-                <a:spcPts val="0"/>
-              </a:spcAft>
-              <a:buNone/>
-            </a:pPr>
-            <a:r>
-              <a:rPr lang="en">
-                <a:latin typeface="Arial"/>
-                <a:ea typeface="Arial"/>
-                <a:cs typeface="Arial"/>
-                <a:sym typeface="Arial"/>
-              </a:rPr>
-              <a:t>3. Whether gender of the student is associated with paper grade?</a:t>
-            </a:r>
-            <a:endParaRPr>
-              <a:latin typeface="Arial"/>
-              <a:ea typeface="Arial"/>
-              <a:cs typeface="Arial"/>
-              <a:sym typeface="Arial"/>
-            </a:endParaRPr>
-          </a:p>
-          <a:p>
-            <a:pPr indent="0" lvl="0" marL="0" rtl="0" algn="l">
-              <a:spcBef>
-                <a:spcPts val="1800"/>
-              </a:spcBef>
-              <a:spcAft>
-                <a:spcPts val="0"/>
-              </a:spcAft>
-              <a:buNone/>
-            </a:pPr>
-            <a:r>
-              <a:t/>
-            </a:r>
-            <a:endParaRPr>
-              <a:highlight>
-                <a:schemeClr val="lt1"/>
-              </a:highlight>
-              <a:latin typeface="Arial"/>
-              <a:ea typeface="Arial"/>
-              <a:cs typeface="Arial"/>
-              <a:sym typeface="Arial"/>
-            </a:endParaRPr>
-          </a:p>
-          <a:p>
-            <a:pPr indent="0" lvl="0" marL="0" rtl="0" algn="l">
-              <a:spcBef>
-                <a:spcPts val="900"/>
               </a:spcBef>
               <a:spcAft>
                 <a:spcPts val="0"/>
@@ -9268,6 +9008,34 @@
           </a:p>
         </p:txBody>
       </p:sp>
+      <p:pic>
+        <p:nvPicPr>
+          <p:cNvPr id="131" name="Google Shape;131;p23"/>
+          <p:cNvPicPr preferRelativeResize="0"/>
+          <p:nvPr/>
+        </p:nvPicPr>
+        <p:blipFill>
+          <a:blip r:embed="rId3">
+            <a:alphaModFix/>
+          </a:blip>
+          <a:stretch>
+            <a:fillRect/>
+          </a:stretch>
+        </p:blipFill>
+        <p:spPr>
+          <a:xfrm>
+            <a:off x="1726500" y="1249325"/>
+            <a:ext cx="5503651" cy="3151350"/>
+          </a:xfrm>
+          <a:prstGeom prst="rect">
+            <a:avLst/>
+          </a:prstGeom>
+          <a:noFill/>
+          <a:ln>
+            <a:noFill/>
+          </a:ln>
+        </p:spPr>
+      </p:pic>
     </p:spTree>
   </p:cSld>
   <p:clrMapOvr>
@@ -9281,7 +9049,7 @@
   <p:cSld>
     <p:spTree>
       <p:nvGrpSpPr>
-        <p:cNvPr id="134" name="Shape 134"/>
+        <p:cNvPr id="135" name="Shape 135"/>
         <p:cNvGrpSpPr/>
         <p:nvPr/>
       </p:nvGrpSpPr>
@@ -9295,7 +9063,7 @@
       </p:grpSpPr>
       <p:sp>
         <p:nvSpPr>
-          <p:cNvPr id="135" name="Google Shape;135;p24"/>
+          <p:cNvPr id="136" name="Google Shape;136;p24"/>
           <p:cNvSpPr txBox="1"/>
           <p:nvPr>
             <p:ph type="title"/>
@@ -9327,7 +9095,7 @@
             </a:pPr>
             <a:r>
               <a:rPr lang="en"/>
-              <a:t>EDA</a:t>
+              <a:t>EDA: center</a:t>
             </a:r>
             <a:endParaRPr/>
           </a:p>
@@ -9335,7 +9103,7 @@
       </p:sp>
       <p:sp>
         <p:nvSpPr>
-          <p:cNvPr id="136" name="Google Shape;136;p24"/>
+          <p:cNvPr id="137" name="Google Shape;137;p24"/>
           <p:cNvSpPr txBox="1"/>
           <p:nvPr>
             <p:ph idx="1" type="body"/>
@@ -9359,38 +9127,6 @@
             <a:pPr indent="0" lvl="0" marL="0" rtl="0" algn="l">
               <a:spcBef>
                 <a:spcPts val="0"/>
-              </a:spcBef>
-              <a:spcAft>
-                <a:spcPts val="0"/>
-              </a:spcAft>
-              <a:buNone/>
-            </a:pPr>
-            <a:r>
-              <a:rPr lang="en">
-                <a:highlight>
-                  <a:schemeClr val="lt1"/>
-                </a:highlight>
-                <a:latin typeface="Arial"/>
-                <a:ea typeface="Arial"/>
-                <a:cs typeface="Arial"/>
-                <a:sym typeface="Arial"/>
-              </a:rPr>
-              <a:t>Dataset comes from The Associated Examining Board in Guildford.</a:t>
-            </a:r>
-            <a:endParaRPr>
-              <a:highlight>
-                <a:schemeClr val="lt1"/>
-              </a:highlight>
-              <a:latin typeface="Arial"/>
-              <a:ea typeface="Arial"/>
-              <a:cs typeface="Arial"/>
-              <a:sym typeface="Arial"/>
-            </a:endParaRPr>
-          </a:p>
-          <a:p>
-            <a:pPr indent="0" lvl="0" marL="0" rtl="0" algn="l">
-              <a:spcBef>
-                <a:spcPts val="900"/>
               </a:spcBef>
               <a:spcAft>
                 <a:spcPts val="0"/>
@@ -9440,7 +9176,7 @@
       </p:sp>
       <p:pic>
         <p:nvPicPr>
-          <p:cNvPr id="137" name="Google Shape;137;p24"/>
+          <p:cNvPr id="138" name="Google Shape;138;p24"/>
           <p:cNvPicPr preferRelativeResize="0"/>
           <p:nvPr/>
         </p:nvPicPr>
@@ -9454,8 +9190,36 @@
         </p:blipFill>
         <p:spPr>
           <a:xfrm>
-            <a:off x="1220600" y="1848725"/>
-            <a:ext cx="5822400" cy="2640100"/>
+            <a:off x="0" y="1152425"/>
+            <a:ext cx="2764225" cy="3190200"/>
+          </a:xfrm>
+          <a:prstGeom prst="rect">
+            <a:avLst/>
+          </a:prstGeom>
+          <a:noFill/>
+          <a:ln>
+            <a:noFill/>
+          </a:ln>
+        </p:spPr>
+      </p:pic>
+      <p:pic>
+        <p:nvPicPr>
+          <p:cNvPr id="139" name="Google Shape;139;p24"/>
+          <p:cNvPicPr preferRelativeResize="0"/>
+          <p:nvPr/>
+        </p:nvPicPr>
+        <p:blipFill>
+          <a:blip r:embed="rId4">
+            <a:alphaModFix/>
+          </a:blip>
+          <a:stretch>
+            <a:fillRect/>
+          </a:stretch>
+        </p:blipFill>
+        <p:spPr>
+          <a:xfrm>
+            <a:off x="2610125" y="289200"/>
+            <a:ext cx="6441549" cy="4604701"/>
           </a:xfrm>
           <a:prstGeom prst="rect">
             <a:avLst/>
@@ -9479,7 +9243,7 @@
   <p:cSld>
     <p:spTree>
       <p:nvGrpSpPr>
-        <p:cNvPr id="141" name="Shape 141"/>
+        <p:cNvPr id="143" name="Shape 143"/>
         <p:cNvGrpSpPr/>
         <p:nvPr/>
       </p:nvGrpSpPr>
@@ -9493,7 +9257,7 @@
       </p:grpSpPr>
       <p:sp>
         <p:nvSpPr>
-          <p:cNvPr id="142" name="Google Shape;142;p25"/>
+          <p:cNvPr id="144" name="Google Shape;144;p25"/>
           <p:cNvSpPr txBox="1"/>
           <p:nvPr>
             <p:ph type="title"/>
@@ -9525,7 +9289,7 @@
             </a:pPr>
             <a:r>
               <a:rPr lang="en"/>
-              <a:t>EDA: paper</a:t>
+              <a:t>EDA: gender</a:t>
             </a:r>
             <a:endParaRPr/>
           </a:p>
@@ -9533,7 +9297,7 @@
       </p:sp>
       <p:sp>
         <p:nvSpPr>
-          <p:cNvPr id="143" name="Google Shape;143;p25"/>
+          <p:cNvPr id="145" name="Google Shape;145;p25"/>
           <p:cNvSpPr txBox="1"/>
           <p:nvPr>
             <p:ph idx="1" type="body"/>
@@ -9606,7 +9370,7 @@
       </p:sp>
       <p:pic>
         <p:nvPicPr>
-          <p:cNvPr id="144" name="Google Shape;144;p25"/>
+          <p:cNvPr id="146" name="Google Shape;146;p25"/>
           <p:cNvPicPr preferRelativeResize="0"/>
           <p:nvPr/>
         </p:nvPicPr>
@@ -9620,8 +9384,8 @@
         </p:blipFill>
         <p:spPr>
           <a:xfrm>
-            <a:off x="1726500" y="1249325"/>
-            <a:ext cx="5503651" cy="3151350"/>
+            <a:off x="1730450" y="1097275"/>
+            <a:ext cx="5256725" cy="3488774"/>
           </a:xfrm>
           <a:prstGeom prst="rect">
             <a:avLst/>
@@ -9645,7 +9409,7 @@
   <p:cSld>
     <p:spTree>
       <p:nvGrpSpPr>
-        <p:cNvPr id="148" name="Shape 148"/>
+        <p:cNvPr id="150" name="Shape 150"/>
         <p:cNvGrpSpPr/>
         <p:nvPr/>
       </p:nvGrpSpPr>
@@ -9659,7 +9423,7 @@
       </p:grpSpPr>
       <p:sp>
         <p:nvSpPr>
-          <p:cNvPr id="149" name="Google Shape;149;p26"/>
+          <p:cNvPr id="151" name="Google Shape;151;p26"/>
           <p:cNvSpPr txBox="1"/>
           <p:nvPr>
             <p:ph type="title"/>
@@ -9691,7 +9455,7 @@
             </a:pPr>
             <a:r>
               <a:rPr lang="en"/>
-              <a:t>EDA: center</a:t>
+              <a:t>EDA: gender and center</a:t>
             </a:r>
             <a:endParaRPr/>
           </a:p>
@@ -9699,7 +9463,7 @@
       </p:sp>
       <p:sp>
         <p:nvSpPr>
-          <p:cNvPr id="150" name="Google Shape;150;p26"/>
+          <p:cNvPr id="152" name="Google Shape;152;p26"/>
           <p:cNvSpPr txBox="1"/>
           <p:nvPr>
             <p:ph idx="1" type="body"/>
@@ -9772,7 +9536,7 @@
       </p:sp>
       <p:pic>
         <p:nvPicPr>
-          <p:cNvPr id="151" name="Google Shape;151;p26"/>
+          <p:cNvPr id="153" name="Google Shape;153;p26"/>
           <p:cNvPicPr preferRelativeResize="0"/>
           <p:nvPr/>
         </p:nvPicPr>
@@ -9786,8 +9550,8 @@
         </p:blipFill>
         <p:spPr>
           <a:xfrm>
-            <a:off x="0" y="1152425"/>
-            <a:ext cx="2764225" cy="3190200"/>
+            <a:off x="1730450" y="1097275"/>
+            <a:ext cx="5256725" cy="3488774"/>
           </a:xfrm>
           <a:prstGeom prst="rect">
             <a:avLst/>
@@ -9800,7 +9564,7 @@
       </p:pic>
       <p:pic>
         <p:nvPicPr>
-          <p:cNvPr id="152" name="Google Shape;152;p26"/>
+          <p:cNvPr id="154" name="Google Shape;154;p26"/>
           <p:cNvPicPr preferRelativeResize="0"/>
           <p:nvPr/>
         </p:nvPicPr>
@@ -9814,8 +9578,8 @@
         </p:blipFill>
         <p:spPr>
           <a:xfrm>
-            <a:off x="2610125" y="289200"/>
-            <a:ext cx="6441549" cy="4604701"/>
+            <a:off x="822100" y="1039050"/>
+            <a:ext cx="7445775" cy="3919977"/>
           </a:xfrm>
           <a:prstGeom prst="rect">
             <a:avLst/>
@@ -9839,7 +9603,7 @@
   <p:cSld>
     <p:spTree>
       <p:nvGrpSpPr>
-        <p:cNvPr id="156" name="Shape 156"/>
+        <p:cNvPr id="158" name="Shape 158"/>
         <p:cNvGrpSpPr/>
         <p:nvPr/>
       </p:nvGrpSpPr>
@@ -9853,7 +9617,7 @@
       </p:grpSpPr>
       <p:sp>
         <p:nvSpPr>
-          <p:cNvPr id="157" name="Google Shape;157;p27"/>
+          <p:cNvPr id="159" name="Google Shape;159;p27"/>
           <p:cNvSpPr txBox="1"/>
           <p:nvPr>
             <p:ph type="title"/>
@@ -9885,7 +9649,7 @@
             </a:pPr>
             <a:r>
               <a:rPr lang="en"/>
-              <a:t>EDA: gender</a:t>
+              <a:t>EDA: coursework_eval</a:t>
             </a:r>
             <a:endParaRPr/>
           </a:p>
@@ -9893,7 +9657,7 @@
       </p:sp>
       <p:sp>
         <p:nvSpPr>
-          <p:cNvPr id="158" name="Google Shape;158;p27"/>
+          <p:cNvPr id="160" name="Google Shape;160;p27"/>
           <p:cNvSpPr txBox="1"/>
           <p:nvPr>
             <p:ph idx="1" type="body"/>
@@ -9966,7 +9730,7 @@
       </p:sp>
       <p:pic>
         <p:nvPicPr>
-          <p:cNvPr id="159" name="Google Shape;159;p27"/>
+          <p:cNvPr id="161" name="Google Shape;161;p27"/>
           <p:cNvPicPr preferRelativeResize="0"/>
           <p:nvPr/>
         </p:nvPicPr>
@@ -9980,8 +9744,8 @@
         </p:blipFill>
         <p:spPr>
           <a:xfrm>
-            <a:off x="1730450" y="1097275"/>
-            <a:ext cx="5256725" cy="3488774"/>
+            <a:off x="998925" y="1054775"/>
+            <a:ext cx="7273600" cy="3881874"/>
           </a:xfrm>
           <a:prstGeom prst="rect">
             <a:avLst/>
@@ -10005,7 +9769,7 @@
   <p:cSld>
     <p:spTree>
       <p:nvGrpSpPr>
-        <p:cNvPr id="163" name="Shape 163"/>
+        <p:cNvPr id="165" name="Shape 165"/>
         <p:cNvGrpSpPr/>
         <p:nvPr/>
       </p:nvGrpSpPr>
@@ -10019,7 +9783,7 @@
       </p:grpSpPr>
       <p:sp>
         <p:nvSpPr>
-          <p:cNvPr id="164" name="Google Shape;164;p28"/>
+          <p:cNvPr id="166" name="Google Shape;166;p28"/>
           <p:cNvSpPr txBox="1"/>
           <p:nvPr>
             <p:ph type="title"/>
@@ -10051,7 +9815,7 @@
             </a:pPr>
             <a:r>
               <a:rPr lang="en"/>
-              <a:t>EDA: gender and center</a:t>
+              <a:t>Model Selection</a:t>
             </a:r>
             <a:endParaRPr/>
           </a:p>
@@ -10059,7 +9823,7 @@
       </p:sp>
       <p:sp>
         <p:nvSpPr>
-          <p:cNvPr id="165" name="Google Shape;165;p28"/>
+          <p:cNvPr id="167" name="Google Shape;167;p28"/>
           <p:cNvSpPr txBox="1"/>
           <p:nvPr>
             <p:ph idx="1" type="body"/>
@@ -10132,7 +9896,7 @@
       </p:sp>
       <p:pic>
         <p:nvPicPr>
-          <p:cNvPr id="166" name="Google Shape;166;p28"/>
+          <p:cNvPr id="168" name="Google Shape;168;p28"/>
           <p:cNvPicPr preferRelativeResize="0"/>
           <p:nvPr/>
         </p:nvPicPr>
@@ -10146,36 +9910,8 @@
         </p:blipFill>
         <p:spPr>
           <a:xfrm>
-            <a:off x="1730450" y="1097275"/>
-            <a:ext cx="5256725" cy="3488774"/>
-          </a:xfrm>
-          <a:prstGeom prst="rect">
-            <a:avLst/>
-          </a:prstGeom>
-          <a:noFill/>
-          <a:ln>
-            <a:noFill/>
-          </a:ln>
-        </p:spPr>
-      </p:pic>
-      <p:pic>
-        <p:nvPicPr>
-          <p:cNvPr id="167" name="Google Shape;167;p28"/>
-          <p:cNvPicPr preferRelativeResize="0"/>
-          <p:nvPr/>
-        </p:nvPicPr>
-        <p:blipFill>
-          <a:blip r:embed="rId4">
-            <a:alphaModFix/>
-          </a:blip>
-          <a:stretch>
-            <a:fillRect/>
-          </a:stretch>
-        </p:blipFill>
-        <p:spPr>
-          <a:xfrm>
-            <a:off x="822100" y="1039050"/>
-            <a:ext cx="7445775" cy="3919977"/>
+            <a:off x="439638" y="1871325"/>
+            <a:ext cx="8264723" cy="1613775"/>
           </a:xfrm>
           <a:prstGeom prst="rect">
             <a:avLst/>
@@ -10199,7 +9935,7 @@
   <p:cSld>
     <p:spTree>
       <p:nvGrpSpPr>
-        <p:cNvPr id="171" name="Shape 171"/>
+        <p:cNvPr id="172" name="Shape 172"/>
         <p:cNvGrpSpPr/>
         <p:nvPr/>
       </p:nvGrpSpPr>
@@ -10213,7 +9949,7 @@
       </p:grpSpPr>
       <p:sp>
         <p:nvSpPr>
-          <p:cNvPr id="172" name="Google Shape;172;p29"/>
+          <p:cNvPr id="173" name="Google Shape;173;p29"/>
           <p:cNvSpPr txBox="1"/>
           <p:nvPr>
             <p:ph type="title"/>
@@ -10245,7 +9981,7 @@
             </a:pPr>
             <a:r>
               <a:rPr lang="en"/>
-              <a:t>EDA: coursework_eval</a:t>
+              <a:t>Model Selection</a:t>
             </a:r>
             <a:endParaRPr/>
           </a:p>
@@ -10253,7 +9989,7 @@
       </p:sp>
       <p:sp>
         <p:nvSpPr>
-          <p:cNvPr id="173" name="Google Shape;173;p29"/>
+          <p:cNvPr id="174" name="Google Shape;174;p29"/>
           <p:cNvSpPr txBox="1"/>
           <p:nvPr>
             <p:ph idx="1" type="body"/>
@@ -10326,7 +10062,7 @@
       </p:sp>
       <p:pic>
         <p:nvPicPr>
-          <p:cNvPr id="174" name="Google Shape;174;p29"/>
+          <p:cNvPr id="175" name="Google Shape;175;p29"/>
           <p:cNvPicPr preferRelativeResize="0"/>
           <p:nvPr/>
         </p:nvPicPr>
@@ -10340,8 +10076,8 @@
         </p:blipFill>
         <p:spPr>
           <a:xfrm>
-            <a:off x="998925" y="1054775"/>
-            <a:ext cx="7273600" cy="3881874"/>
+            <a:off x="202263" y="1569787"/>
+            <a:ext cx="8977624" cy="2003925"/>
           </a:xfrm>
           <a:prstGeom prst="rect">
             <a:avLst/>
@@ -10365,7 +10101,7 @@
   <p:cSld>
     <p:spTree>
       <p:nvGrpSpPr>
-        <p:cNvPr id="178" name="Shape 178"/>
+        <p:cNvPr id="179" name="Shape 179"/>
         <p:cNvGrpSpPr/>
         <p:nvPr/>
       </p:nvGrpSpPr>
@@ -10379,7 +10115,7 @@
       </p:grpSpPr>
       <p:sp>
         <p:nvSpPr>
-          <p:cNvPr id="179" name="Google Shape;179;p30"/>
+          <p:cNvPr id="180" name="Google Shape;180;p30"/>
           <p:cNvSpPr txBox="1"/>
           <p:nvPr>
             <p:ph type="title"/>
@@ -10411,7 +10147,7 @@
             </a:pPr>
             <a:r>
               <a:rPr lang="en"/>
-              <a:t>Model Selection</a:t>
+              <a:t>Model Results</a:t>
             </a:r>
             <a:endParaRPr/>
           </a:p>
@@ -10419,7 +10155,7 @@
       </p:sp>
       <p:sp>
         <p:nvSpPr>
-          <p:cNvPr id="180" name="Google Shape;180;p30"/>
+          <p:cNvPr id="181" name="Google Shape;181;p30"/>
           <p:cNvSpPr txBox="1"/>
           <p:nvPr>
             <p:ph idx="1" type="body"/>
@@ -10492,7 +10228,7 @@
       </p:sp>
       <p:pic>
         <p:nvPicPr>
-          <p:cNvPr id="181" name="Google Shape;181;p30"/>
+          <p:cNvPr id="182" name="Google Shape;182;p30"/>
           <p:cNvPicPr preferRelativeResize="0"/>
           <p:nvPr/>
         </p:nvPicPr>
@@ -10506,8 +10242,36 @@
         </p:blipFill>
         <p:spPr>
           <a:xfrm>
-            <a:off x="439638" y="1871325"/>
-            <a:ext cx="8264723" cy="1613775"/>
+            <a:off x="427225" y="1072600"/>
+            <a:ext cx="3621649" cy="3778775"/>
+          </a:xfrm>
+          <a:prstGeom prst="rect">
+            <a:avLst/>
+          </a:prstGeom>
+          <a:noFill/>
+          <a:ln>
+            <a:noFill/>
+          </a:ln>
+        </p:spPr>
+      </p:pic>
+      <p:pic>
+        <p:nvPicPr>
+          <p:cNvPr id="183" name="Google Shape;183;p30"/>
+          <p:cNvPicPr preferRelativeResize="0"/>
+          <p:nvPr/>
+        </p:nvPicPr>
+        <p:blipFill>
+          <a:blip r:embed="rId4">
+            <a:alphaModFix/>
+          </a:blip>
+          <a:stretch>
+            <a:fillRect/>
+          </a:stretch>
+        </p:blipFill>
+        <p:spPr>
+          <a:xfrm>
+            <a:off x="3115750" y="1548100"/>
+            <a:ext cx="6185601" cy="2493550"/>
           </a:xfrm>
           <a:prstGeom prst="rect">
             <a:avLst/>
@@ -10531,7 +10295,7 @@
   <p:cSld>
     <p:spTree>
       <p:nvGrpSpPr>
-        <p:cNvPr id="185" name="Shape 185"/>
+        <p:cNvPr id="187" name="Shape 187"/>
         <p:cNvGrpSpPr/>
         <p:nvPr/>
       </p:nvGrpSpPr>
@@ -10545,7 +10309,7 @@
       </p:grpSpPr>
       <p:sp>
         <p:nvSpPr>
-          <p:cNvPr id="186" name="Google Shape;186;p31"/>
+          <p:cNvPr id="188" name="Google Shape;188;p31"/>
           <p:cNvSpPr txBox="1"/>
           <p:nvPr>
             <p:ph type="title"/>
@@ -10577,7 +10341,7 @@
             </a:pPr>
             <a:r>
               <a:rPr lang="en"/>
-              <a:t>Model Selection</a:t>
+              <a:t>Model Results</a:t>
             </a:r>
             <a:endParaRPr/>
           </a:p>
@@ -10585,7 +10349,7 @@
       </p:sp>
       <p:sp>
         <p:nvSpPr>
-          <p:cNvPr id="187" name="Google Shape;187;p31"/>
+          <p:cNvPr id="189" name="Google Shape;189;p31"/>
           <p:cNvSpPr txBox="1"/>
           <p:nvPr>
             <p:ph idx="1" type="body"/>
@@ -10594,7 +10358,7 @@
         <p:spPr>
           <a:xfrm>
             <a:off x="379750" y="1249325"/>
-            <a:ext cx="7632900" cy="3302700"/>
+            <a:ext cx="8322000" cy="3302700"/>
           </a:xfrm>
           <a:prstGeom prst="rect">
             <a:avLst/>
@@ -10616,7 +10380,16 @@
               <a:buNone/>
             </a:pPr>
             <a:r>
-              <a:t/>
+              <a:rPr lang="en">
+                <a:solidFill>
+                  <a:srgbClr val="695D46"/>
+                </a:solidFill>
+                <a:latin typeface="Arial"/>
+                <a:ea typeface="Arial"/>
+                <a:cs typeface="Arial"/>
+                <a:sym typeface="Arial"/>
+              </a:rPr>
+              <a:t>Correlation between two individuals in the same center by using estimations in last slide: </a:t>
             </a:r>
             <a:endParaRPr>
               <a:highlight>
@@ -10658,7 +10431,7 @@
       </p:sp>
       <p:pic>
         <p:nvPicPr>
-          <p:cNvPr id="188" name="Google Shape;188;p31"/>
+          <p:cNvPr id="190" name="Google Shape;190;p31"/>
           <p:cNvPicPr preferRelativeResize="0"/>
           <p:nvPr/>
         </p:nvPicPr>
@@ -10672,8 +10445,8 @@
         </p:blipFill>
         <p:spPr>
           <a:xfrm>
-            <a:off x="202263" y="1569787"/>
-            <a:ext cx="8977624" cy="2003925"/>
+            <a:off x="692863" y="2350275"/>
+            <a:ext cx="7758275" cy="1257200"/>
           </a:xfrm>
           <a:prstGeom prst="rect">
             <a:avLst/>
@@ -10864,7 +10637,7 @@
   <p:cSld>
     <p:spTree>
       <p:nvGrpSpPr>
-        <p:cNvPr id="192" name="Shape 192"/>
+        <p:cNvPr id="194" name="Shape 194"/>
         <p:cNvGrpSpPr/>
         <p:nvPr/>
       </p:nvGrpSpPr>
@@ -10878,7 +10651,7 @@
       </p:grpSpPr>
       <p:sp>
         <p:nvSpPr>
-          <p:cNvPr id="193" name="Google Shape;193;p32"/>
+          <p:cNvPr id="195" name="Google Shape;195;p32"/>
           <p:cNvSpPr txBox="1"/>
           <p:nvPr>
             <p:ph type="title"/>
@@ -10918,7 +10691,7 @@
       </p:sp>
       <p:sp>
         <p:nvSpPr>
-          <p:cNvPr id="194" name="Google Shape;194;p32"/>
+          <p:cNvPr id="196" name="Google Shape;196;p32"/>
           <p:cNvSpPr txBox="1"/>
           <p:nvPr>
             <p:ph idx="1" type="body"/>
@@ -10927,7 +10700,7 @@
         <p:spPr>
           <a:xfrm>
             <a:off x="379750" y="1249325"/>
-            <a:ext cx="7632900" cy="3302700"/>
+            <a:ext cx="8322000" cy="3302700"/>
           </a:xfrm>
           <a:prstGeom prst="rect">
             <a:avLst/>
@@ -10942,29 +10715,6 @@
             <a:pPr indent="0" lvl="0" marL="0" rtl="0" algn="l">
               <a:spcBef>
                 <a:spcPts val="0"/>
-              </a:spcBef>
-              <a:spcAft>
-                <a:spcPts val="0"/>
-              </a:spcAft>
-              <a:buNone/>
-            </a:pPr>
-            <a:r>
-              <a:t/>
-            </a:r>
-            <a:endParaRPr>
-              <a:highlight>
-                <a:schemeClr val="lt1"/>
-              </a:highlight>
-              <a:latin typeface="Arial"/>
-              <a:ea typeface="Arial"/>
-              <a:cs typeface="Arial"/>
-              <a:sym typeface="Arial"/>
-            </a:endParaRPr>
-          </a:p>
-          <a:p>
-            <a:pPr indent="0" lvl="0" marL="0" rtl="0" algn="l">
-              <a:spcBef>
-                <a:spcPts val="1200"/>
               </a:spcBef>
               <a:spcAft>
                 <a:spcPts val="1200"/>
@@ -10991,7 +10741,7 @@
       </p:sp>
       <p:pic>
         <p:nvPicPr>
-          <p:cNvPr id="195" name="Google Shape;195;p32"/>
+          <p:cNvPr id="197" name="Google Shape;197;p32"/>
           <p:cNvPicPr preferRelativeResize="0"/>
           <p:nvPr/>
         </p:nvPicPr>
@@ -11005,8 +10755,8 @@
         </p:blipFill>
         <p:spPr>
           <a:xfrm>
-            <a:off x="427225" y="1072600"/>
-            <a:ext cx="3621649" cy="3778775"/>
+            <a:off x="-51025" y="1046225"/>
+            <a:ext cx="2941675" cy="2333049"/>
           </a:xfrm>
           <a:prstGeom prst="rect">
             <a:avLst/>
@@ -11019,22 +10769,21 @@
       </p:pic>
       <p:pic>
         <p:nvPicPr>
-          <p:cNvPr id="196" name="Google Shape;196;p32"/>
+          <p:cNvPr id="198" name="Google Shape;198;p32"/>
           <p:cNvPicPr preferRelativeResize="0"/>
           <p:nvPr/>
         </p:nvPicPr>
-        <p:blipFill>
+        <p:blipFill rotWithShape="1">
           <a:blip r:embed="rId4">
             <a:alphaModFix/>
           </a:blip>
-          <a:stretch>
-            <a:fillRect/>
-          </a:stretch>
+          <a:srcRect b="0" l="-1030" r="1030" t="0"/>
+          <a:stretch/>
         </p:blipFill>
         <p:spPr>
           <a:xfrm>
-            <a:off x="3115750" y="1548100"/>
-            <a:ext cx="6185601" cy="2493550"/>
+            <a:off x="2584074" y="68050"/>
+            <a:ext cx="6610949" cy="4825849"/>
           </a:xfrm>
           <a:prstGeom prst="rect">
             <a:avLst/>
@@ -11058,7 +10807,7 @@
   <p:cSld>
     <p:spTree>
       <p:nvGrpSpPr>
-        <p:cNvPr id="200" name="Shape 200"/>
+        <p:cNvPr id="202" name="Shape 202"/>
         <p:cNvGrpSpPr/>
         <p:nvPr/>
       </p:nvGrpSpPr>
@@ -11072,7 +10821,7 @@
       </p:grpSpPr>
       <p:sp>
         <p:nvSpPr>
-          <p:cNvPr id="201" name="Google Shape;201;p33"/>
+          <p:cNvPr id="203" name="Google Shape;203;p33"/>
           <p:cNvSpPr txBox="1"/>
           <p:nvPr>
             <p:ph type="title"/>
@@ -11104,7 +10853,11 @@
             </a:pPr>
             <a:r>
               <a:rPr lang="en"/>
-              <a:t>Model Results</a:t>
+              <a:t>Model </a:t>
+            </a:r>
+            <a:r>
+              <a:rPr lang="en"/>
+              <a:t>Assessment and Limitation</a:t>
             </a:r>
             <a:endParaRPr/>
           </a:p>
@@ -11112,7 +10865,7 @@
       </p:sp>
       <p:sp>
         <p:nvSpPr>
-          <p:cNvPr id="202" name="Google Shape;202;p33"/>
+          <p:cNvPr id="204" name="Google Shape;204;p33"/>
           <p:cNvSpPr txBox="1"/>
           <p:nvPr>
             <p:ph idx="1" type="body"/>
@@ -11143,16 +10896,7 @@
               <a:buNone/>
             </a:pPr>
             <a:r>
-              <a:rPr lang="en">
-                <a:solidFill>
-                  <a:srgbClr val="695D46"/>
-                </a:solidFill>
-                <a:latin typeface="Arial"/>
-                <a:ea typeface="Arial"/>
-                <a:cs typeface="Arial"/>
-                <a:sym typeface="Arial"/>
-              </a:rPr>
-              <a:t>Correlation between two individuals in the same center by using estimations in last slide: </a:t>
+              <a:t/>
             </a:r>
             <a:endParaRPr>
               <a:highlight>
@@ -11194,7 +10938,7 @@
       </p:sp>
       <p:pic>
         <p:nvPicPr>
-          <p:cNvPr id="203" name="Google Shape;203;p33"/>
+          <p:cNvPr id="205" name="Google Shape;205;p33"/>
           <p:cNvPicPr preferRelativeResize="0"/>
           <p:nvPr/>
         </p:nvPicPr>
@@ -11208,8 +10952,8 @@
         </p:blipFill>
         <p:spPr>
           <a:xfrm>
-            <a:off x="692863" y="2350275"/>
-            <a:ext cx="7758275" cy="1257200"/>
+            <a:off x="177872" y="1151325"/>
+            <a:ext cx="8878863" cy="3498676"/>
           </a:xfrm>
           <a:prstGeom prst="rect">
             <a:avLst/>
@@ -11233,7 +10977,7 @@
   <p:cSld>
     <p:spTree>
       <p:nvGrpSpPr>
-        <p:cNvPr id="207" name="Shape 207"/>
+        <p:cNvPr id="209" name="Shape 209"/>
         <p:cNvGrpSpPr/>
         <p:nvPr/>
       </p:nvGrpSpPr>
@@ -11247,7 +10991,7 @@
       </p:grpSpPr>
       <p:sp>
         <p:nvSpPr>
-          <p:cNvPr id="208" name="Google Shape;208;p34"/>
+          <p:cNvPr id="210" name="Google Shape;210;p34"/>
           <p:cNvSpPr txBox="1"/>
           <p:nvPr>
             <p:ph type="title"/>
@@ -11279,7 +11023,7 @@
             </a:pPr>
             <a:r>
               <a:rPr lang="en"/>
-              <a:t>Model Results</a:t>
+              <a:t>Model Assessment and Limitation</a:t>
             </a:r>
             <a:endParaRPr/>
           </a:p>
@@ -11287,7 +11031,7 @@
       </p:sp>
       <p:sp>
         <p:nvSpPr>
-          <p:cNvPr id="209" name="Google Shape;209;p34"/>
+          <p:cNvPr id="211" name="Google Shape;211;p34"/>
           <p:cNvSpPr txBox="1"/>
           <p:nvPr>
             <p:ph idx="1" type="body"/>
@@ -11311,6 +11055,29 @@
             <a:pPr indent="0" lvl="0" marL="0" rtl="0" algn="l">
               <a:spcBef>
                 <a:spcPts val="0"/>
+              </a:spcBef>
+              <a:spcAft>
+                <a:spcPts val="0"/>
+              </a:spcAft>
+              <a:buNone/>
+            </a:pPr>
+            <a:r>
+              <a:t/>
+            </a:r>
+            <a:endParaRPr>
+              <a:highlight>
+                <a:schemeClr val="lt1"/>
+              </a:highlight>
+              <a:latin typeface="Arial"/>
+              <a:ea typeface="Arial"/>
+              <a:cs typeface="Arial"/>
+              <a:sym typeface="Arial"/>
+            </a:endParaRPr>
+          </a:p>
+          <a:p>
+            <a:pPr indent="0" lvl="0" marL="0" rtl="0" algn="l">
+              <a:spcBef>
+                <a:spcPts val="1200"/>
               </a:spcBef>
               <a:spcAft>
                 <a:spcPts val="1200"/>
@@ -11337,7 +11104,7 @@
       </p:sp>
       <p:pic>
         <p:nvPicPr>
-          <p:cNvPr id="210" name="Google Shape;210;p34"/>
+          <p:cNvPr id="212" name="Google Shape;212;p34"/>
           <p:cNvPicPr preferRelativeResize="0"/>
           <p:nvPr/>
         </p:nvPicPr>
@@ -11351,35 +11118,8 @@
         </p:blipFill>
         <p:spPr>
           <a:xfrm>
-            <a:off x="-51025" y="1046225"/>
-            <a:ext cx="2941675" cy="2333049"/>
-          </a:xfrm>
-          <a:prstGeom prst="rect">
-            <a:avLst/>
-          </a:prstGeom>
-          <a:noFill/>
-          <a:ln>
-            <a:noFill/>
-          </a:ln>
-        </p:spPr>
-      </p:pic>
-      <p:pic>
-        <p:nvPicPr>
-          <p:cNvPr id="211" name="Google Shape;211;p34"/>
-          <p:cNvPicPr preferRelativeResize="0"/>
-          <p:nvPr/>
-        </p:nvPicPr>
-        <p:blipFill rotWithShape="1">
-          <a:blip r:embed="rId4">
-            <a:alphaModFix/>
-          </a:blip>
-          <a:srcRect b="0" l="-1030" r="1030" t="0"/>
-          <a:stretch/>
-        </p:blipFill>
-        <p:spPr>
-          <a:xfrm>
-            <a:off x="2584074" y="68050"/>
-            <a:ext cx="6610949" cy="4825849"/>
+            <a:off x="56525" y="976554"/>
+            <a:ext cx="9144003" cy="4103193"/>
           </a:xfrm>
           <a:prstGeom prst="rect">
             <a:avLst/>
@@ -11403,7 +11143,7 @@
   <p:cSld>
     <p:spTree>
       <p:nvGrpSpPr>
-        <p:cNvPr id="215" name="Shape 215"/>
+        <p:cNvPr id="216" name="Shape 216"/>
         <p:cNvGrpSpPr/>
         <p:nvPr/>
       </p:nvGrpSpPr>
@@ -11417,7 +11157,7 @@
       </p:grpSpPr>
       <p:sp>
         <p:nvSpPr>
-          <p:cNvPr id="216" name="Google Shape;216;p35"/>
+          <p:cNvPr id="217" name="Google Shape;217;p35"/>
           <p:cNvSpPr txBox="1"/>
           <p:nvPr>
             <p:ph type="title"/>
@@ -11449,11 +11189,7 @@
             </a:pPr>
             <a:r>
               <a:rPr lang="en"/>
-              <a:t>Model </a:t>
-            </a:r>
-            <a:r>
-              <a:rPr lang="en"/>
-              <a:t>Assessment and Limitation</a:t>
+              <a:t>References</a:t>
             </a:r>
             <a:endParaRPr/>
           </a:p>
@@ -11461,7 +11197,7 @@
       </p:sp>
       <p:sp>
         <p:nvSpPr>
-          <p:cNvPr id="217" name="Google Shape;217;p35"/>
+          <p:cNvPr id="218" name="Google Shape;218;p35"/>
           <p:cNvSpPr txBox="1"/>
           <p:nvPr>
             <p:ph idx="1" type="body"/>
@@ -11482,17 +11218,45 @@
           </a:bodyPr>
           <a:lstStyle/>
           <a:p>
-            <a:pPr indent="0" lvl="0" marL="0" rtl="0" algn="l">
-              <a:spcBef>
-                <a:spcPts val="0"/>
-              </a:spcBef>
-              <a:spcAft>
-                <a:spcPts val="0"/>
-              </a:spcAft>
-              <a:buNone/>
-            </a:pPr>
-            <a:r>
-              <a:t/>
+            <a:pPr indent="-342900" lvl="0" marL="457200" rtl="0" algn="l">
+              <a:spcBef>
+                <a:spcPts val="0"/>
+              </a:spcBef>
+              <a:spcAft>
+                <a:spcPts val="0"/>
+              </a:spcAft>
+              <a:buSzPts val="1800"/>
+              <a:buFont typeface="Arial"/>
+              <a:buAutoNum type="arabicPeriod"/>
+            </a:pPr>
+            <a:r>
+              <a:rPr lang="en"/>
+              <a:t>Centre for Multilevel Modelling. </a:t>
+            </a:r>
+            <a:r>
+              <a:rPr lang="en" u="sng">
+                <a:highlight>
+                  <a:srgbClr val="FFFFFF"/>
+                </a:highlight>
+                <a:latin typeface="Arial"/>
+                <a:ea typeface="Arial"/>
+                <a:cs typeface="Arial"/>
+                <a:sym typeface="Arial"/>
+                <a:hlinkClick r:id="rId3"/>
+              </a:rPr>
+              <a:t>http://www.bristol.ac.uk/cmm/learning/support/datasets/</a:t>
+            </a:r>
+            <a:r>
+              <a:rPr lang="en">
+                <a:highlight>
+                  <a:schemeClr val="lt1"/>
+                </a:highlight>
+                <a:latin typeface="Arial"/>
+                <a:ea typeface="Arial"/>
+                <a:cs typeface="Arial"/>
+                <a:sym typeface="Arial"/>
+              </a:rPr>
+              <a:t> </a:t>
             </a:r>
             <a:endParaRPr>
               <a:highlight>
@@ -11505,24 +11269,48 @@
             </a:endParaRPr>
           </a:p>
           <a:p>
-            <a:pPr indent="0" lvl="0" marL="0" rtl="0" algn="l">
-              <a:spcBef>
-                <a:spcPts val="1200"/>
-              </a:spcBef>
-              <a:spcAft>
-                <a:spcPts val="1200"/>
-              </a:spcAft>
-              <a:buNone/>
-            </a:pPr>
-            <a:r>
-              <a:t/>
+            <a:pPr indent="-342900" lvl="0" marL="457200" rtl="0" algn="l">
+              <a:spcBef>
+                <a:spcPts val="0"/>
+              </a:spcBef>
+              <a:spcAft>
+                <a:spcPts val="0"/>
+              </a:spcAft>
+              <a:buSzPts val="1800"/>
+              <a:buFont typeface="Arial"/>
+              <a:buAutoNum type="arabicPeriod"/>
+            </a:pPr>
+            <a:r>
+              <a:rPr lang="en">
+                <a:latin typeface="Arial"/>
+                <a:ea typeface="Arial"/>
+                <a:cs typeface="Arial"/>
+                <a:sym typeface="Arial"/>
+              </a:rPr>
+              <a:t>STA 610 Fall 2021. </a:t>
+            </a:r>
+            <a:r>
+              <a:rPr lang="en" u="sng">
+                <a:latin typeface="Arial"/>
+                <a:ea typeface="Arial"/>
+                <a:cs typeface="Arial"/>
+                <a:sym typeface="Arial"/>
+                <a:hlinkClick r:id="rId4"/>
+              </a:rPr>
+              <a:t>https://sta610-f21.olanrewajuakande.com/syllabus/</a:t>
+            </a:r>
+            <a:r>
+              <a:rPr lang="en">
+                <a:latin typeface="Arial"/>
+                <a:ea typeface="Arial"/>
+                <a:cs typeface="Arial"/>
+                <a:sym typeface="Arial"/>
+              </a:rPr>
+              <a:t> </a:t>
             </a:r>
             <a:endParaRPr>
-              <a:solidFill>
-                <a:srgbClr val="999999"/>
-              </a:solidFill>
               <a:highlight>
-                <a:schemeClr val="dk2"/>
+                <a:schemeClr val="lt1"/>
               </a:highlight>
               <a:latin typeface="Arial"/>
               <a:ea typeface="Arial"/>
@@ -11532,34 +11320,6 @@
           </a:p>
         </p:txBody>
       </p:sp>
-      <p:pic>
-        <p:nvPicPr>
-          <p:cNvPr id="218" name="Google Shape;218;p35"/>
-          <p:cNvPicPr preferRelativeResize="0"/>
-          <p:nvPr/>
-        </p:nvPicPr>
-        <p:blipFill>
-          <a:blip r:embed="rId3">
-            <a:alphaModFix/>
-          </a:blip>
-          <a:stretch>
-            <a:fillRect/>
-          </a:stretch>
-        </p:blipFill>
-        <p:spPr>
-          <a:xfrm>
-            <a:off x="177872" y="1151325"/>
-            <a:ext cx="8878863" cy="3498676"/>
-          </a:xfrm>
-          <a:prstGeom prst="rect">
-            <a:avLst/>
-          </a:prstGeom>
-          <a:noFill/>
-          <a:ln>
-            <a:noFill/>
-          </a:ln>
-        </p:spPr>
-      </p:pic>
     </p:spTree>
   </p:cSld>
   <p:clrMapOvr>
@@ -11618,8 +11378,7 @@
               <a:buNone/>
             </a:pPr>
             <a:r>
-              <a:rPr lang="en"/>
-              <a:t>Model Assessment and Limitation</a:t>
+              <a:t/>
             </a:r>
             <a:endParaRPr/>
           </a:p>
@@ -11628,361 +11387,6 @@
       <p:sp>
         <p:nvSpPr>
           <p:cNvPr id="224" name="Google Shape;224;p36"/>
-          <p:cNvSpPr txBox="1"/>
-          <p:nvPr>
-            <p:ph idx="1" type="body"/>
-          </p:nvPr>
-        </p:nvSpPr>
-        <p:spPr>
-          <a:xfrm>
-            <a:off x="379750" y="1249325"/>
-            <a:ext cx="8322000" cy="3302700"/>
-          </a:xfrm>
-          <a:prstGeom prst="rect">
-            <a:avLst/>
-          </a:prstGeom>
-        </p:spPr>
-        <p:txBody>
-          <a:bodyPr anchorCtr="0" anchor="t" bIns="91425" lIns="91425" spcFirstLastPara="1" rIns="91425" wrap="square" tIns="91425">
-            <a:normAutofit/>
-          </a:bodyPr>
-          <a:lstStyle/>
-          <a:p>
-            <a:pPr indent="0" lvl="0" marL="0" rtl="0" algn="l">
-              <a:spcBef>
-                <a:spcPts val="0"/>
-              </a:spcBef>
-              <a:spcAft>
-                <a:spcPts val="0"/>
-              </a:spcAft>
-              <a:buNone/>
-            </a:pPr>
-            <a:r>
-              <a:t/>
-            </a:r>
-            <a:endParaRPr>
-              <a:highlight>
-                <a:schemeClr val="lt1"/>
-              </a:highlight>
-              <a:latin typeface="Arial"/>
-              <a:ea typeface="Arial"/>
-              <a:cs typeface="Arial"/>
-              <a:sym typeface="Arial"/>
-            </a:endParaRPr>
-          </a:p>
-          <a:p>
-            <a:pPr indent="0" lvl="0" marL="0" rtl="0" algn="l">
-              <a:spcBef>
-                <a:spcPts val="1200"/>
-              </a:spcBef>
-              <a:spcAft>
-                <a:spcPts val="1200"/>
-              </a:spcAft>
-              <a:buNone/>
-            </a:pPr>
-            <a:r>
-              <a:t/>
-            </a:r>
-            <a:endParaRPr>
-              <a:solidFill>
-                <a:srgbClr val="999999"/>
-              </a:solidFill>
-              <a:highlight>
-                <a:schemeClr val="dk2"/>
-              </a:highlight>
-              <a:latin typeface="Arial"/>
-              <a:ea typeface="Arial"/>
-              <a:cs typeface="Arial"/>
-              <a:sym typeface="Arial"/>
-            </a:endParaRPr>
-          </a:p>
-        </p:txBody>
-      </p:sp>
-      <p:pic>
-        <p:nvPicPr>
-          <p:cNvPr id="225" name="Google Shape;225;p36"/>
-          <p:cNvPicPr preferRelativeResize="0"/>
-          <p:nvPr/>
-        </p:nvPicPr>
-        <p:blipFill>
-          <a:blip r:embed="rId3">
-            <a:alphaModFix/>
-          </a:blip>
-          <a:stretch>
-            <a:fillRect/>
-          </a:stretch>
-        </p:blipFill>
-        <p:spPr>
-          <a:xfrm>
-            <a:off x="56525" y="976554"/>
-            <a:ext cx="9144003" cy="4103193"/>
-          </a:xfrm>
-          <a:prstGeom prst="rect">
-            <a:avLst/>
-          </a:prstGeom>
-          <a:noFill/>
-          <a:ln>
-            <a:noFill/>
-          </a:ln>
-        </p:spPr>
-      </p:pic>
-    </p:spTree>
-  </p:cSld>
-  <p:clrMapOvr>
-    <a:masterClrMapping/>
-  </p:clrMapOvr>
-</p:sld>
-</file>
-
-<file path=ppt/slides/slide25.xml><?xml version="1.0" encoding="utf-8"?>
-<p:sld xmlns:a="http://schemas.openxmlformats.org/drawingml/2006/main" xmlns:r="http://schemas.openxmlformats.org/officeDocument/2006/relationships" xmlns:mc="http://schemas.openxmlformats.org/markup-compatibility/2006" xmlns:mv="urn:schemas-microsoft-com:mac:vml" xmlns:p="http://schemas.openxmlformats.org/presentationml/2006/main" xmlns:c="http://schemas.openxmlformats.org/drawingml/2006/chart" xmlns:dgm="http://schemas.openxmlformats.org/drawingml/2006/diagram" xmlns:o="urn:schemas-microsoft-com:office:office" xmlns:v="urn:schemas-microsoft-com:vml" xmlns:pvml="urn:schemas-microsoft-com:office:powerpoint" xmlns:com="http://schemas.openxmlformats.org/drawingml/2006/compatibility" xmlns:p14="http://schemas.microsoft.com/office/powerpoint/2010/main" xmlns:p15="http://schemas.microsoft.com/office/powerpoint/2012/main" xmlns:ahyp="http://schemas.microsoft.com/office/drawing/2018/hyperlinkcolor">
-  <p:cSld>
-    <p:spTree>
-      <p:nvGrpSpPr>
-        <p:cNvPr id="229" name="Shape 229"/>
-        <p:cNvGrpSpPr/>
-        <p:nvPr/>
-      </p:nvGrpSpPr>
-      <p:grpSpPr>
-        <a:xfrm>
-          <a:off x="0" y="0"/>
-          <a:ext cx="0" cy="0"/>
-          <a:chOff x="0" y="0"/>
-          <a:chExt cx="0" cy="0"/>
-        </a:xfrm>
-      </p:grpSpPr>
-      <p:sp>
-        <p:nvSpPr>
-          <p:cNvPr id="230" name="Google Shape;230;p37"/>
-          <p:cNvSpPr txBox="1"/>
-          <p:nvPr>
-            <p:ph type="title"/>
-          </p:nvPr>
-        </p:nvSpPr>
-        <p:spPr>
-          <a:xfrm>
-            <a:off x="311700" y="445025"/>
-            <a:ext cx="8520600" cy="707400"/>
-          </a:xfrm>
-          <a:prstGeom prst="rect">
-            <a:avLst/>
-          </a:prstGeom>
-        </p:spPr>
-        <p:txBody>
-          <a:bodyPr anchorCtr="0" anchor="t" bIns="91425" lIns="91425" spcFirstLastPara="1" rIns="91425" wrap="square" tIns="91425">
-            <a:normAutofit fontScale="90000"/>
-          </a:bodyPr>
-          <a:lstStyle/>
-          <a:p>
-            <a:pPr indent="0" lvl="0" marL="0" rtl="0" algn="l">
-              <a:spcBef>
-                <a:spcPts val="0"/>
-              </a:spcBef>
-              <a:spcAft>
-                <a:spcPts val="0"/>
-              </a:spcAft>
-              <a:buNone/>
-            </a:pPr>
-            <a:r>
-              <a:rPr lang="en"/>
-              <a:t>References</a:t>
-            </a:r>
-            <a:endParaRPr/>
-          </a:p>
-        </p:txBody>
-      </p:sp>
-      <p:sp>
-        <p:nvSpPr>
-          <p:cNvPr id="231" name="Google Shape;231;p37"/>
-          <p:cNvSpPr txBox="1"/>
-          <p:nvPr>
-            <p:ph idx="1" type="body"/>
-          </p:nvPr>
-        </p:nvSpPr>
-        <p:spPr>
-          <a:xfrm>
-            <a:off x="379750" y="1249325"/>
-            <a:ext cx="8322000" cy="3302700"/>
-          </a:xfrm>
-          <a:prstGeom prst="rect">
-            <a:avLst/>
-          </a:prstGeom>
-        </p:spPr>
-        <p:txBody>
-          <a:bodyPr anchorCtr="0" anchor="t" bIns="91425" lIns="91425" spcFirstLastPara="1" rIns="91425" wrap="square" tIns="91425">
-            <a:normAutofit/>
-          </a:bodyPr>
-          <a:lstStyle/>
-          <a:p>
-            <a:pPr indent="-342900" lvl="0" marL="457200" rtl="0" algn="l">
-              <a:spcBef>
-                <a:spcPts val="0"/>
-              </a:spcBef>
-              <a:spcAft>
-                <a:spcPts val="0"/>
-              </a:spcAft>
-              <a:buSzPts val="1800"/>
-              <a:buFont typeface="Arial"/>
-              <a:buAutoNum type="arabicPeriod"/>
-            </a:pPr>
-            <a:r>
-              <a:rPr lang="en"/>
-              <a:t>Centre for Multilevel Modelling. </a:t>
-            </a:r>
-            <a:r>
-              <a:rPr lang="en" u="sng">
-                <a:highlight>
-                  <a:srgbClr val="FFFFFF"/>
-                </a:highlight>
-                <a:latin typeface="Arial"/>
-                <a:ea typeface="Arial"/>
-                <a:cs typeface="Arial"/>
-                <a:sym typeface="Arial"/>
-                <a:hlinkClick r:id="rId3"/>
-              </a:rPr>
-              <a:t>http://www.bristol.ac.uk/cmm/learning/support/datasets/</a:t>
-            </a:r>
-            <a:r>
-              <a:rPr lang="en">
-                <a:highlight>
-                  <a:schemeClr val="lt1"/>
-                </a:highlight>
-                <a:latin typeface="Arial"/>
-                <a:ea typeface="Arial"/>
-                <a:cs typeface="Arial"/>
-                <a:sym typeface="Arial"/>
-              </a:rPr>
-              <a:t> </a:t>
-            </a:r>
-            <a:endParaRPr>
-              <a:highlight>
-                <a:schemeClr val="lt1"/>
-              </a:highlight>
-              <a:latin typeface="Arial"/>
-              <a:ea typeface="Arial"/>
-              <a:cs typeface="Arial"/>
-              <a:sym typeface="Arial"/>
-            </a:endParaRPr>
-          </a:p>
-          <a:p>
-            <a:pPr indent="-342900" lvl="0" marL="457200" rtl="0" algn="l">
-              <a:spcBef>
-                <a:spcPts val="0"/>
-              </a:spcBef>
-              <a:spcAft>
-                <a:spcPts val="0"/>
-              </a:spcAft>
-              <a:buSzPts val="1800"/>
-              <a:buFont typeface="Arial"/>
-              <a:buAutoNum type="arabicPeriod"/>
-            </a:pPr>
-            <a:r>
-              <a:rPr lang="en">
-                <a:latin typeface="Arial"/>
-                <a:ea typeface="Arial"/>
-                <a:cs typeface="Arial"/>
-                <a:sym typeface="Arial"/>
-              </a:rPr>
-              <a:t>STA 610 Fall 2021. </a:t>
-            </a:r>
-            <a:r>
-              <a:rPr lang="en" u="sng">
-                <a:latin typeface="Arial"/>
-                <a:ea typeface="Arial"/>
-                <a:cs typeface="Arial"/>
-                <a:sym typeface="Arial"/>
-                <a:hlinkClick r:id="rId4"/>
-              </a:rPr>
-              <a:t>https://sta610-f21.olanrewajuakande.com/syllabus/</a:t>
-            </a:r>
-            <a:r>
-              <a:rPr lang="en">
-                <a:latin typeface="Arial"/>
-                <a:ea typeface="Arial"/>
-                <a:cs typeface="Arial"/>
-                <a:sym typeface="Arial"/>
-              </a:rPr>
-              <a:t> </a:t>
-            </a:r>
-            <a:endParaRPr>
-              <a:highlight>
-                <a:schemeClr val="lt1"/>
-              </a:highlight>
-              <a:latin typeface="Arial"/>
-              <a:ea typeface="Arial"/>
-              <a:cs typeface="Arial"/>
-              <a:sym typeface="Arial"/>
-            </a:endParaRPr>
-          </a:p>
-        </p:txBody>
-      </p:sp>
-    </p:spTree>
-  </p:cSld>
-  <p:clrMapOvr>
-    <a:masterClrMapping/>
-  </p:clrMapOvr>
-</p:sld>
-</file>
-
-<file path=ppt/slides/slide26.xml><?xml version="1.0" encoding="utf-8"?>
-<p:sld xmlns:a="http://schemas.openxmlformats.org/drawingml/2006/main" xmlns:r="http://schemas.openxmlformats.org/officeDocument/2006/relationships" xmlns:mc="http://schemas.openxmlformats.org/markup-compatibility/2006" xmlns:mv="urn:schemas-microsoft-com:mac:vml" xmlns:p="http://schemas.openxmlformats.org/presentationml/2006/main" xmlns:c="http://schemas.openxmlformats.org/drawingml/2006/chart" xmlns:dgm="http://schemas.openxmlformats.org/drawingml/2006/diagram" xmlns:o="urn:schemas-microsoft-com:office:office" xmlns:v="urn:schemas-microsoft-com:vml" xmlns:pvml="urn:schemas-microsoft-com:office:powerpoint" xmlns:com="http://schemas.openxmlformats.org/drawingml/2006/compatibility" xmlns:p14="http://schemas.microsoft.com/office/powerpoint/2010/main" xmlns:p15="http://schemas.microsoft.com/office/powerpoint/2012/main" xmlns:ahyp="http://schemas.microsoft.com/office/drawing/2018/hyperlinkcolor">
-  <p:cSld>
-    <p:spTree>
-      <p:nvGrpSpPr>
-        <p:cNvPr id="235" name="Shape 235"/>
-        <p:cNvGrpSpPr/>
-        <p:nvPr/>
-      </p:nvGrpSpPr>
-      <p:grpSpPr>
-        <a:xfrm>
-          <a:off x="0" y="0"/>
-          <a:ext cx="0" cy="0"/>
-          <a:chOff x="0" y="0"/>
-          <a:chExt cx="0" cy="0"/>
-        </a:xfrm>
-      </p:grpSpPr>
-      <p:sp>
-        <p:nvSpPr>
-          <p:cNvPr id="236" name="Google Shape;236;p38"/>
-          <p:cNvSpPr txBox="1"/>
-          <p:nvPr>
-            <p:ph type="title"/>
-          </p:nvPr>
-        </p:nvSpPr>
-        <p:spPr>
-          <a:xfrm>
-            <a:off x="311700" y="445025"/>
-            <a:ext cx="8520600" cy="707400"/>
-          </a:xfrm>
-          <a:prstGeom prst="rect">
-            <a:avLst/>
-          </a:prstGeom>
-        </p:spPr>
-        <p:txBody>
-          <a:bodyPr anchorCtr="0" anchor="t" bIns="91425" lIns="91425" spcFirstLastPara="1" rIns="91425" wrap="square" tIns="91425">
-            <a:normAutofit fontScale="90000"/>
-          </a:bodyPr>
-          <a:lstStyle/>
-          <a:p>
-            <a:pPr indent="0" lvl="0" marL="0" rtl="0" algn="l">
-              <a:spcBef>
-                <a:spcPts val="0"/>
-              </a:spcBef>
-              <a:spcAft>
-                <a:spcPts val="0"/>
-              </a:spcAft>
-              <a:buNone/>
-            </a:pPr>
-            <a:r>
-              <a:t/>
-            </a:r>
-            <a:endParaRPr/>
-          </a:p>
-        </p:txBody>
-      </p:sp>
-      <p:sp>
-        <p:nvSpPr>
-          <p:cNvPr id="237" name="Google Shape;237;p38"/>
           <p:cNvSpPr txBox="1"/>
           <p:nvPr>
             <p:ph idx="1" type="body"/>
@@ -12442,7 +11846,7 @@
                 <a:cs typeface="Arial"/>
                 <a:sym typeface="Arial"/>
               </a:rPr>
-              <a:t>Share of information between estimates.</a:t>
+              <a:t>Share of information among groups.</a:t>
             </a:r>
             <a:endParaRPr>
               <a:solidFill>
@@ -12482,7 +11886,7 @@
                 <a:cs typeface="Arial"/>
                 <a:sym typeface="Arial"/>
               </a:rPr>
-              <a:t>Allows partition of residual variance, quantification of group effects.</a:t>
+              <a:t>Allows quantification of group effects.</a:t>
             </a:r>
             <a:endParaRPr>
               <a:solidFill>
@@ -12761,8 +12165,8 @@
         </p:nvSpPr>
         <p:spPr>
           <a:xfrm>
-            <a:off x="822050" y="1223800"/>
-            <a:ext cx="7632900" cy="3302700"/>
+            <a:off x="311700" y="1239050"/>
+            <a:ext cx="8520600" cy="3576900"/>
           </a:xfrm>
           <a:prstGeom prst="rect">
             <a:avLst/>
@@ -12770,7 +12174,7 @@
         </p:spPr>
         <p:txBody>
           <a:bodyPr anchorCtr="0" anchor="t" bIns="91425" lIns="91425" spcFirstLastPara="1" rIns="91425" wrap="square" tIns="91425">
-            <a:normAutofit/>
+            <a:normAutofit fontScale="92500" lnSpcReduction="20000"/>
           </a:bodyPr>
           <a:lstStyle/>
           <a:p>
@@ -12784,10 +12188,7 @@
               <a:buNone/>
             </a:pPr>
             <a:r>
-              <a:rPr lang="en">
-                <a:solidFill>
-                  <a:srgbClr val="695D46"/>
-                </a:solidFill>
+              <a:rPr lang="en" sz="1400">
                 <a:latin typeface="Arial"/>
                 <a:ea typeface="Arial"/>
                 <a:cs typeface="Arial"/>
@@ -12795,10 +12196,11 @@
               </a:rPr>
               <a:t>Also known as random effects model, hierarchical model, linear mixed-effect model, etc.</a:t>
             </a:r>
-            <a:endParaRPr sz="1200">
-              <a:solidFill>
-                <a:srgbClr val="333333"/>
-              </a:solidFill>
+            <a:endParaRPr sz="1400">
+              <a:latin typeface="Arial"/>
+              <a:ea typeface="Arial"/>
+              <a:cs typeface="Arial"/>
+              <a:sym typeface="Arial"/>
             </a:endParaRPr>
           </a:p>
           <a:p>
@@ -12814,10 +12216,301 @@
             <a:r>
               <a:t/>
             </a:r>
-            <a:endParaRPr sz="1200">
-              <a:solidFill>
-                <a:srgbClr val="333333"/>
-              </a:solidFill>
+            <a:endParaRPr sz="1400">
+              <a:latin typeface="Arial"/>
+              <a:ea typeface="Arial"/>
+              <a:cs typeface="Arial"/>
+              <a:sym typeface="Arial"/>
+            </a:endParaRPr>
+          </a:p>
+          <a:p>
+            <a:pPr indent="0" lvl="0" marL="0" rtl="0" algn="l">
+              <a:spcBef>
+                <a:spcPts val="1200"/>
+              </a:spcBef>
+              <a:spcAft>
+                <a:spcPts val="0"/>
+              </a:spcAft>
+              <a:buNone/>
+            </a:pPr>
+            <a:r>
+              <a:t/>
+            </a:r>
+            <a:endParaRPr sz="1400">
+              <a:latin typeface="Arial"/>
+              <a:ea typeface="Arial"/>
+              <a:cs typeface="Arial"/>
+              <a:sym typeface="Arial"/>
+            </a:endParaRPr>
+          </a:p>
+          <a:p>
+            <a:pPr indent="0" lvl="0" marL="0" rtl="0" algn="l">
+              <a:spcBef>
+                <a:spcPts val="1200"/>
+              </a:spcBef>
+              <a:spcAft>
+                <a:spcPts val="0"/>
+              </a:spcAft>
+              <a:buNone/>
+            </a:pPr>
+            <a:r>
+              <a:rPr lang="en" sz="1400">
+                <a:latin typeface="Arial"/>
+                <a:ea typeface="Arial"/>
+                <a:cs typeface="Arial"/>
+                <a:sym typeface="Arial"/>
+              </a:rPr>
+              <a:t>i </a:t>
+            </a:r>
+            <a:r>
+              <a:rPr lang="en" sz="1400">
+                <a:latin typeface="Arial"/>
+                <a:ea typeface="Arial"/>
+                <a:cs typeface="Arial"/>
+                <a:sym typeface="Arial"/>
+              </a:rPr>
+              <a:t>: individual index i</a:t>
+            </a:r>
+            <a:endParaRPr sz="1400">
+              <a:latin typeface="Arial"/>
+              <a:ea typeface="Arial"/>
+              <a:cs typeface="Arial"/>
+              <a:sym typeface="Arial"/>
+            </a:endParaRPr>
+          </a:p>
+          <a:p>
+            <a:pPr indent="0" lvl="0" marL="0" rtl="0" algn="l">
+              <a:spcBef>
+                <a:spcPts val="1200"/>
+              </a:spcBef>
+              <a:spcAft>
+                <a:spcPts val="0"/>
+              </a:spcAft>
+              <a:buNone/>
+            </a:pPr>
+            <a:r>
+              <a:rPr lang="en" sz="1400">
+                <a:latin typeface="Arial"/>
+                <a:ea typeface="Arial"/>
+                <a:cs typeface="Arial"/>
+                <a:sym typeface="Arial"/>
+              </a:rPr>
+              <a:t>j : grouping variable index j</a:t>
+            </a:r>
+            <a:endParaRPr sz="1400">
+              <a:latin typeface="Arial"/>
+              <a:ea typeface="Arial"/>
+              <a:cs typeface="Arial"/>
+              <a:sym typeface="Arial"/>
+            </a:endParaRPr>
+          </a:p>
+          <a:p>
+            <a:pPr indent="0" lvl="0" marL="0" rtl="0" algn="l">
+              <a:spcBef>
+                <a:spcPts val="1200"/>
+              </a:spcBef>
+              <a:spcAft>
+                <a:spcPts val="0"/>
+              </a:spcAft>
+              <a:buNone/>
+            </a:pPr>
+            <a:r>
+              <a:rPr lang="en" sz="1400">
+                <a:highlight>
+                  <a:srgbClr val="FFFFFF"/>
+                </a:highlight>
+                <a:latin typeface="Arial"/>
+                <a:ea typeface="Arial"/>
+                <a:cs typeface="Arial"/>
+                <a:sym typeface="Arial"/>
+              </a:rPr>
+              <a:t>μ : grand mean of all outcome values in all groups</a:t>
+            </a:r>
+            <a:endParaRPr sz="1400">
+              <a:latin typeface="Arial"/>
+              <a:ea typeface="Arial"/>
+              <a:cs typeface="Arial"/>
+              <a:sym typeface="Arial"/>
+            </a:endParaRPr>
+          </a:p>
+          <a:p>
+            <a:pPr indent="0" lvl="0" marL="0" rtl="0" algn="l">
+              <a:spcBef>
+                <a:spcPts val="1200"/>
+              </a:spcBef>
+              <a:spcAft>
+                <a:spcPts val="0"/>
+              </a:spcAft>
+              <a:buNone/>
+            </a:pPr>
+            <a:r>
+              <a:rPr lang="en" sz="1400">
+                <a:highlight>
+                  <a:srgbClr val="FFFFFF"/>
+                </a:highlight>
+                <a:latin typeface="Arial"/>
+                <a:ea typeface="Arial"/>
+                <a:cs typeface="Arial"/>
+                <a:sym typeface="Arial"/>
+              </a:rPr>
+              <a:t>α</a:t>
+            </a:r>
+            <a:r>
+              <a:rPr lang="en" sz="1000">
+                <a:highlight>
+                  <a:srgbClr val="FFFFFF"/>
+                </a:highlight>
+                <a:latin typeface="Arial"/>
+                <a:ea typeface="Arial"/>
+                <a:cs typeface="Arial"/>
+                <a:sym typeface="Arial"/>
+              </a:rPr>
+              <a:t>j</a:t>
+            </a:r>
+            <a:r>
+              <a:rPr lang="en" sz="1000">
+                <a:highlight>
+                  <a:srgbClr val="FFFFFF"/>
+                </a:highlight>
+                <a:latin typeface="Arial"/>
+                <a:ea typeface="Arial"/>
+                <a:cs typeface="Arial"/>
+                <a:sym typeface="Arial"/>
+              </a:rPr>
+              <a:t> </a:t>
+            </a:r>
+            <a:r>
+              <a:rPr lang="en" sz="1400">
+                <a:highlight>
+                  <a:srgbClr val="FFFFFF"/>
+                </a:highlight>
+                <a:latin typeface="Arial"/>
+                <a:ea typeface="Arial"/>
+                <a:cs typeface="Arial"/>
+                <a:sym typeface="Arial"/>
+              </a:rPr>
+              <a:t>: random variable allows borrow information among groups</a:t>
+            </a:r>
+            <a:endParaRPr sz="1400">
+              <a:highlight>
+                <a:srgbClr val="FFFFFF"/>
+              </a:highlight>
+              <a:latin typeface="Arial"/>
+              <a:ea typeface="Arial"/>
+              <a:cs typeface="Arial"/>
+              <a:sym typeface="Arial"/>
+            </a:endParaRPr>
+          </a:p>
+          <a:p>
+            <a:pPr indent="0" lvl="0" marL="0" rtl="0" algn="l">
+              <a:spcBef>
+                <a:spcPts val="1200"/>
+              </a:spcBef>
+              <a:spcAft>
+                <a:spcPts val="0"/>
+              </a:spcAft>
+              <a:buNone/>
+            </a:pPr>
+            <a:r>
+              <a:rPr lang="en" sz="1400">
+                <a:highlight>
+                  <a:srgbClr val="FFFFFF"/>
+                </a:highlight>
+                <a:latin typeface="Arial"/>
+                <a:ea typeface="Arial"/>
+                <a:cs typeface="Arial"/>
+                <a:sym typeface="Arial"/>
+              </a:rPr>
+              <a:t>μ + α</a:t>
+            </a:r>
+            <a:r>
+              <a:rPr lang="en" sz="1000">
+                <a:highlight>
+                  <a:srgbClr val="FFFFFF"/>
+                </a:highlight>
+                <a:latin typeface="Arial"/>
+                <a:ea typeface="Arial"/>
+                <a:cs typeface="Arial"/>
+                <a:sym typeface="Arial"/>
+              </a:rPr>
+              <a:t>j </a:t>
+            </a:r>
+            <a:r>
+              <a:rPr lang="en" sz="1400">
+                <a:highlight>
+                  <a:srgbClr val="FFFFFF"/>
+                </a:highlight>
+                <a:latin typeface="Arial"/>
+                <a:ea typeface="Arial"/>
+                <a:cs typeface="Arial"/>
+                <a:sym typeface="Arial"/>
+              </a:rPr>
+              <a:t>: random intercept in group j</a:t>
+            </a:r>
+            <a:endParaRPr sz="1400">
+              <a:highlight>
+                <a:srgbClr val="FFFFFF"/>
+              </a:highlight>
+              <a:latin typeface="Arial"/>
+              <a:ea typeface="Arial"/>
+              <a:cs typeface="Arial"/>
+              <a:sym typeface="Arial"/>
+            </a:endParaRPr>
+          </a:p>
+          <a:p>
+            <a:pPr indent="0" lvl="0" marL="0" rtl="0" algn="l">
+              <a:spcBef>
+                <a:spcPts val="1200"/>
+              </a:spcBef>
+              <a:spcAft>
+                <a:spcPts val="0"/>
+              </a:spcAft>
+              <a:buNone/>
+            </a:pPr>
+            <a:r>
+              <a:rPr lang="en" sz="1500">
+                <a:highlight>
+                  <a:srgbClr val="FFFFFF"/>
+                </a:highlight>
+                <a:latin typeface="Arial"/>
+                <a:ea typeface="Arial"/>
+                <a:cs typeface="Arial"/>
+                <a:sym typeface="Arial"/>
+              </a:rPr>
+              <a:t>ϵ</a:t>
+            </a:r>
+            <a:r>
+              <a:rPr lang="en" sz="1000">
+                <a:highlight>
+                  <a:srgbClr val="FFFFFF"/>
+                </a:highlight>
+                <a:latin typeface="Arial"/>
+                <a:ea typeface="Arial"/>
+                <a:cs typeface="Arial"/>
+                <a:sym typeface="Arial"/>
+              </a:rPr>
+              <a:t>ij</a:t>
+            </a:r>
+            <a:r>
+              <a:rPr lang="en" sz="1500">
+                <a:highlight>
+                  <a:srgbClr val="FFFFFF"/>
+                </a:highlight>
+                <a:latin typeface="Arial"/>
+                <a:ea typeface="Arial"/>
+                <a:cs typeface="Arial"/>
+                <a:sym typeface="Arial"/>
+              </a:rPr>
+              <a:t> : error term of individual i in group j</a:t>
+            </a:r>
+            <a:endParaRPr sz="1500">
+              <a:highlight>
+                <a:srgbClr val="FFFFFF"/>
+              </a:highlight>
+              <a:latin typeface="Arial"/>
+              <a:ea typeface="Arial"/>
+              <a:cs typeface="Arial"/>
+              <a:sym typeface="Arial"/>
             </a:endParaRPr>
           </a:p>
           <a:p>
@@ -12853,8 +12546,8 @@
         </p:blipFill>
         <p:spPr>
           <a:xfrm>
-            <a:off x="2468400" y="2121925"/>
-            <a:ext cx="3467100" cy="742950"/>
+            <a:off x="975375" y="1584950"/>
+            <a:ext cx="3111875" cy="666825"/>
           </a:xfrm>
           <a:prstGeom prst="rect">
             <a:avLst/>
@@ -12881,8 +12574,8 @@
         </p:blipFill>
         <p:spPr>
           <a:xfrm>
-            <a:off x="1601975" y="3145575"/>
-            <a:ext cx="4947650" cy="616250"/>
+            <a:off x="4518650" y="1653788"/>
+            <a:ext cx="4248400" cy="529150"/>
           </a:xfrm>
           <a:prstGeom prst="rect">
             <a:avLst/>
@@ -13119,7 +12812,7 @@
             </a:pPr>
             <a:r>
               <a:rPr lang="en"/>
-              <a:t>How to implement a Multilevel Model in R?</a:t>
+              <a:t>How to implement a Multilevel Model?</a:t>
             </a:r>
             <a:endParaRPr/>
           </a:p>
@@ -13243,7 +12936,7 @@
             </a:pPr>
             <a:r>
               <a:rPr lang="en"/>
-              <a:t>Model Assessment</a:t>
+              <a:t>Model Assessment and Limitation</a:t>
             </a:r>
             <a:endParaRPr/>
           </a:p>
@@ -13308,7 +13001,7 @@
             </a:pPr>
             <a:r>
               <a:rPr lang="en"/>
-              <a:t>How to implement a Multilevel Model?</a:t>
+              <a:t>Background</a:t>
             </a:r>
             <a:endParaRPr/>
           </a:p>
@@ -13324,8 +13017,8 @@
         </p:nvSpPr>
         <p:spPr>
           <a:xfrm>
-            <a:off x="311700" y="1266325"/>
-            <a:ext cx="8520600" cy="3302700"/>
+            <a:off x="379750" y="1249325"/>
+            <a:ext cx="7632900" cy="3302700"/>
           </a:xfrm>
           <a:prstGeom prst="rect">
             <a:avLst/>
@@ -13337,107 +13030,116 @@
           </a:bodyPr>
           <a:lstStyle/>
           <a:p>
-            <a:pPr indent="-342900" lvl="0" marL="457200" rtl="0" algn="l">
-              <a:lnSpc>
-                <a:spcPct val="200000"/>
-              </a:lnSpc>
-              <a:spcBef>
-                <a:spcPts val="0"/>
-              </a:spcBef>
-              <a:spcAft>
-                <a:spcPts val="0"/>
-              </a:spcAft>
-              <a:buSzPts val="1800"/>
-              <a:buChar char="●"/>
-            </a:pPr>
-            <a:r>
-              <a:rPr lang="en"/>
-              <a:t>Background</a:t>
-            </a:r>
-            <a:endParaRPr/>
-          </a:p>
-          <a:p>
-            <a:pPr indent="-342900" lvl="0" marL="457200" rtl="0" algn="l">
-              <a:lnSpc>
-                <a:spcPct val="200000"/>
-              </a:lnSpc>
-              <a:spcBef>
-                <a:spcPts val="0"/>
-              </a:spcBef>
-              <a:spcAft>
-                <a:spcPts val="0"/>
-              </a:spcAft>
-              <a:buSzPts val="1800"/>
-              <a:buChar char="●"/>
-            </a:pPr>
-            <a:r>
-              <a:rPr lang="en"/>
-              <a:t>EDA</a:t>
-            </a:r>
-            <a:endParaRPr/>
-          </a:p>
-          <a:p>
-            <a:pPr indent="-342900" lvl="0" marL="457200" rtl="0" algn="l">
-              <a:lnSpc>
-                <a:spcPct val="200000"/>
-              </a:lnSpc>
-              <a:spcBef>
-                <a:spcPts val="0"/>
-              </a:spcBef>
-              <a:spcAft>
-                <a:spcPts val="0"/>
-              </a:spcAft>
-              <a:buSzPts val="1800"/>
-              <a:buChar char="●"/>
-            </a:pPr>
-            <a:r>
-              <a:rPr lang="en"/>
-              <a:t>Model Selection</a:t>
-            </a:r>
-            <a:endParaRPr/>
-          </a:p>
-          <a:p>
-            <a:pPr indent="-342900" lvl="0" marL="457200" rtl="0" algn="l">
-              <a:lnSpc>
-                <a:spcPct val="200000"/>
-              </a:lnSpc>
-              <a:spcBef>
-                <a:spcPts val="0"/>
-              </a:spcBef>
-              <a:spcAft>
-                <a:spcPts val="0"/>
-              </a:spcAft>
-              <a:buSzPts val="1800"/>
-              <a:buChar char="●"/>
-            </a:pPr>
-            <a:r>
-              <a:rPr lang="en"/>
-              <a:t>Model Results</a:t>
-            </a:r>
-            <a:endParaRPr/>
-          </a:p>
-          <a:p>
-            <a:pPr indent="-342900" lvl="0" marL="457200" rtl="0" algn="l">
-              <a:lnSpc>
-                <a:spcPct val="200000"/>
-              </a:lnSpc>
-              <a:spcBef>
-                <a:spcPts val="0"/>
-              </a:spcBef>
-              <a:spcAft>
-                <a:spcPts val="0"/>
-              </a:spcAft>
-              <a:buSzPts val="1800"/>
-              <a:buChar char="●"/>
-            </a:pPr>
-            <a:r>
-              <a:rPr lang="en"/>
-              <a:t>Model Assessment and Limitation</a:t>
-            </a:r>
-            <a:endParaRPr/>
+            <a:pPr indent="0" lvl="0" marL="0" rtl="0" algn="l">
+              <a:spcBef>
+                <a:spcPts val="0"/>
+              </a:spcBef>
+              <a:spcAft>
+                <a:spcPts val="0"/>
+              </a:spcAft>
+              <a:buNone/>
+            </a:pPr>
+            <a:r>
+              <a:rPr lang="en">
+                <a:highlight>
+                  <a:schemeClr val="lt1"/>
+                </a:highlight>
+                <a:latin typeface="Arial"/>
+                <a:ea typeface="Arial"/>
+                <a:cs typeface="Arial"/>
+                <a:sym typeface="Arial"/>
+              </a:rPr>
+              <a:t>Dataset comes from The Associated Examining Board in Guildford.</a:t>
+            </a:r>
+            <a:endParaRPr>
+              <a:highlight>
+                <a:schemeClr val="lt1"/>
+              </a:highlight>
+              <a:latin typeface="Arial"/>
+              <a:ea typeface="Arial"/>
+              <a:cs typeface="Arial"/>
+              <a:sym typeface="Arial"/>
+            </a:endParaRPr>
+          </a:p>
+          <a:p>
+            <a:pPr indent="0" lvl="0" marL="0" rtl="0" algn="l">
+              <a:spcBef>
+                <a:spcPts val="900"/>
+              </a:spcBef>
+              <a:spcAft>
+                <a:spcPts val="0"/>
+              </a:spcAft>
+              <a:buNone/>
+            </a:pPr>
+            <a:r>
+              <a:t/>
+            </a:r>
+            <a:endParaRPr>
+              <a:highlight>
+                <a:schemeClr val="lt1"/>
+              </a:highlight>
+              <a:latin typeface="Arial"/>
+              <a:ea typeface="Arial"/>
+              <a:cs typeface="Arial"/>
+              <a:sym typeface="Arial"/>
+            </a:endParaRPr>
+          </a:p>
+          <a:p>
+            <a:pPr indent="0" lvl="0" marL="0" rtl="0" algn="l">
+              <a:spcBef>
+                <a:spcPts val="1200"/>
+              </a:spcBef>
+              <a:spcAft>
+                <a:spcPts val="1200"/>
+              </a:spcAft>
+              <a:buNone/>
+            </a:pPr>
+            <a:r>
+              <a:t/>
+            </a:r>
+            <a:endParaRPr>
+              <a:solidFill>
+                <a:srgbClr val="999999"/>
+              </a:solidFill>
+              <a:highlight>
+                <a:schemeClr val="dk2"/>
+              </a:highlight>
+              <a:latin typeface="Arial"/>
+              <a:ea typeface="Arial"/>
+              <a:cs typeface="Arial"/>
+              <a:sym typeface="Arial"/>
+            </a:endParaRPr>
           </a:p>
         </p:txBody>
       </p:sp>
+      <p:pic>
+        <p:nvPicPr>
+          <p:cNvPr id="118" name="Google Shape;118;p21"/>
+          <p:cNvPicPr preferRelativeResize="0"/>
+          <p:nvPr/>
+        </p:nvPicPr>
+        <p:blipFill>
+          <a:blip r:embed="rId3">
+            <a:alphaModFix/>
+          </a:blip>
+          <a:stretch>
+            <a:fillRect/>
+          </a:stretch>
+        </p:blipFill>
+        <p:spPr>
+          <a:xfrm>
+            <a:off x="1220600" y="1848725"/>
+            <a:ext cx="5822400" cy="2640100"/>
+          </a:xfrm>
+          <a:prstGeom prst="rect">
+            <a:avLst/>
+          </a:prstGeom>
+          <a:noFill/>
+          <a:ln>
+            <a:noFill/>
+          </a:ln>
+        </p:spPr>
+      </p:pic>
     </p:spTree>
   </p:cSld>
   <p:clrMapOvr>
@@ -13447,6 +13149,285 @@
 </file>
 
 <file path=ppt/theme/theme1.xml><?xml version="1.0" encoding="utf-8"?>
+<a:theme xmlns:a="http://schemas.openxmlformats.org/drawingml/2006/main" xmlns:r="http://schemas.openxmlformats.org/officeDocument/2006/relationships" name="Tropic">
+  <a:themeElements>
+    <a:clrScheme name="Tropic">
+      <a:dk1>
+        <a:srgbClr val="A1E8D9"/>
+      </a:dk1>
+      <a:lt1>
+        <a:srgbClr val="FFFFFF"/>
+      </a:lt1>
+      <a:dk2>
+        <a:srgbClr val="695D46"/>
+      </a:dk2>
+      <a:lt2>
+        <a:srgbClr val="B3A77D"/>
+      </a:lt2>
+      <a:accent1>
+        <a:srgbClr val="EF6C00"/>
+      </a:accent1>
+      <a:accent2>
+        <a:srgbClr val="CE93D8"/>
+      </a:accent2>
+      <a:accent3>
+        <a:srgbClr val="4DB6AC"/>
+      </a:accent3>
+      <a:accent4>
+        <a:srgbClr val="FF9800"/>
+      </a:accent4>
+      <a:accent5>
+        <a:srgbClr val="009668"/>
+      </a:accent5>
+      <a:accent6>
+        <a:srgbClr val="EEFF41"/>
+      </a:accent6>
+      <a:hlink>
+        <a:srgbClr val="009668"/>
+      </a:hlink>
+      <a:folHlink>
+        <a:srgbClr val="009668"/>
+      </a:folHlink>
+    </a:clrScheme>
+    <a:fontScheme name="Office">
+      <a:majorFont>
+        <a:latin typeface="Arial"/>
+        <a:ea typeface=""/>
+        <a:cs typeface=""/>
+        <a:font script="Jpan" typeface="ＭＳ Ｐゴシック"/>
+        <a:font script="Hang" typeface="맑은 고딕"/>
+        <a:font script="Hans" typeface="宋体"/>
+        <a:font script="Hant" typeface="新細明體"/>
+        <a:font script="Arab" typeface="Times New Roman"/>
+        <a:font script="Hebr" typeface="Times New Roman"/>
+        <a:font script="Thai" typeface="Angsana New"/>
+        <a:font script="Ethi" typeface="Nyala"/>
+        <a:font script="Beng" typeface="Vrinda"/>
+        <a:font script="Gujr" typeface="Shruti"/>
+        <a:font script="Khmr" typeface="MoolBoran"/>
+        <a:font script="Knda" typeface="Tunga"/>
+        <a:font script="Guru" typeface="Raavi"/>
+        <a:font script="Cans" typeface="Euphemia"/>
+        <a:font script="Cher" typeface="Plantagenet Cherokee"/>
+        <a:font script="Yiii" typeface="Microsoft Yi Baiti"/>
+        <a:font script="Tibt" typeface="Microsoft Himalaya"/>
+        <a:font script="Thaa" typeface="MV Boli"/>
+        <a:font script="Deva" typeface="Mangal"/>
+        <a:font script="Telu" typeface="Gautami"/>
+        <a:font script="Taml" typeface="Latha"/>
+        <a:font script="Syrc" typeface="Estrangelo Edessa"/>
+        <a:font script="Orya" typeface="Kalinga"/>
+        <a:font script="Mlym" typeface="Kartika"/>
+        <a:font script="Laoo" typeface="DokChampa"/>
+        <a:font script="Sinh" typeface="Iskoola Pota"/>
+        <a:font script="Mong" typeface="Mongolian Baiti"/>
+        <a:font script="Viet" typeface="Times New Roman"/>
+        <a:font script="Uigh" typeface="Microsoft Uighur"/>
+        <a:font script="Geor" typeface="Sylfaen"/>
+      </a:majorFont>
+      <a:minorFont>
+        <a:latin typeface="Arial"/>
+        <a:ea typeface=""/>
+        <a:cs typeface=""/>
+        <a:font script="Jpan" typeface="ＭＳ Ｐゴシック"/>
+        <a:font script="Hang" typeface="맑은 고딕"/>
+        <a:font script="Hans" typeface="宋体"/>
+        <a:font script="Hant" typeface="新細明體"/>
+        <a:font script="Arab" typeface="Arial"/>
+        <a:font script="Hebr" typeface="Arial"/>
+        <a:font script="Thai" typeface="Cordia New"/>
+        <a:font script="Ethi" typeface="Nyala"/>
+        <a:font script="Beng" typeface="Vrinda"/>
+        <a:font script="Gujr" typeface="Shruti"/>
+        <a:font script="Khmr" typeface="DaunPenh"/>
+        <a:font script="Knda" typeface="Tunga"/>
+        <a:font script="Guru" typeface="Raavi"/>
+        <a:font script="Cans" typeface="Euphemia"/>
+        <a:font script="Cher" typeface="Plantagenet Cherokee"/>
+        <a:font script="Yiii" typeface="Microsoft Yi Baiti"/>
+        <a:font script="Tibt" typeface="Microsoft Himalaya"/>
+        <a:font script="Thaa" typeface="MV Boli"/>
+        <a:font script="Deva" typeface="Mangal"/>
+        <a:font script="Telu" typeface="Gautami"/>
+        <a:font script="Taml" typeface="Latha"/>
+        <a:font script="Syrc" typeface="Estrangelo Edessa"/>
+        <a:font script="Orya" typeface="Kalinga"/>
+        <a:font script="Mlym" typeface="Kartika"/>
+        <a:font script="Laoo" typeface="DokChampa"/>
+        <a:font script="Sinh" typeface="Iskoola Pota"/>
+        <a:font script="Mong" typeface="Mongolian Baiti"/>
+        <a:font script="Viet" typeface="Arial"/>
+        <a:font script="Uigh" typeface="Microsoft Uighur"/>
+        <a:font script="Geor" typeface="Sylfaen"/>
+      </a:minorFont>
+    </a:fontScheme>
+    <a:fmtScheme name="Office">
+      <a:fillStyleLst>
+        <a:solidFill>
+          <a:schemeClr val="phClr"/>
+        </a:solidFill>
+        <a:gradFill rotWithShape="1">
+          <a:gsLst>
+            <a:gs pos="0">
+              <a:schemeClr val="phClr">
+                <a:tint val="50000"/>
+                <a:satMod val="300000"/>
+              </a:schemeClr>
+            </a:gs>
+            <a:gs pos="35000">
+              <a:schemeClr val="phClr">
+                <a:tint val="37000"/>
+                <a:satMod val="300000"/>
+              </a:schemeClr>
+            </a:gs>
+            <a:gs pos="100000">
+              <a:schemeClr val="phClr">
+                <a:tint val="15000"/>
+                <a:satMod val="350000"/>
+              </a:schemeClr>
+            </a:gs>
+          </a:gsLst>
+          <a:lin ang="16200000" scaled="1"/>
+        </a:gradFill>
+        <a:gradFill rotWithShape="1">
+          <a:gsLst>
+            <a:gs pos="0">
+              <a:schemeClr val="phClr">
+                <a:tint val="100000"/>
+                <a:shade val="100000"/>
+                <a:satMod val="130000"/>
+              </a:schemeClr>
+            </a:gs>
+            <a:gs pos="100000">
+              <a:schemeClr val="phClr">
+                <a:tint val="50000"/>
+                <a:shade val="100000"/>
+                <a:satMod val="350000"/>
+              </a:schemeClr>
+            </a:gs>
+          </a:gsLst>
+          <a:lin ang="16200000" scaled="0"/>
+        </a:gradFill>
+      </a:fillStyleLst>
+      <a:lnStyleLst>
+        <a:ln w="9525" cap="flat" cmpd="sng" algn="ctr">
+          <a:solidFill>
+            <a:schemeClr val="phClr">
+              <a:shade val="95000"/>
+              <a:satMod val="105000"/>
+            </a:schemeClr>
+          </a:solidFill>
+          <a:prstDash val="solid"/>
+        </a:ln>
+        <a:ln w="25400" cap="flat" cmpd="sng" algn="ctr">
+          <a:solidFill>
+            <a:schemeClr val="phClr"/>
+          </a:solidFill>
+          <a:prstDash val="solid"/>
+        </a:ln>
+        <a:ln w="38100" cap="flat" cmpd="sng" algn="ctr">
+          <a:solidFill>
+            <a:schemeClr val="phClr"/>
+          </a:solidFill>
+          <a:prstDash val="solid"/>
+        </a:ln>
+      </a:lnStyleLst>
+      <a:effectStyleLst>
+        <a:effectStyle>
+          <a:effectLst>
+            <a:outerShdw blurRad="40000" dist="20000" dir="5400000" rotWithShape="0">
+              <a:srgbClr val="000000">
+                <a:alpha val="38000"/>
+              </a:srgbClr>
+            </a:outerShdw>
+          </a:effectLst>
+        </a:effectStyle>
+        <a:effectStyle>
+          <a:effectLst>
+            <a:outerShdw blurRad="40000" dist="23000" dir="5400000" rotWithShape="0">
+              <a:srgbClr val="000000">
+                <a:alpha val="35000"/>
+              </a:srgbClr>
+            </a:outerShdw>
+          </a:effectLst>
+        </a:effectStyle>
+        <a:effectStyle>
+          <a:effectLst>
+            <a:outerShdw blurRad="40000" dist="23000" dir="5400000" rotWithShape="0">
+              <a:srgbClr val="000000">
+                <a:alpha val="35000"/>
+              </a:srgbClr>
+            </a:outerShdw>
+          </a:effectLst>
+          <a:scene3d>
+            <a:camera prst="orthographicFront">
+              <a:rot lat="0" lon="0" rev="0"/>
+            </a:camera>
+            <a:lightRig rig="threePt" dir="t">
+              <a:rot lat="0" lon="0" rev="1200000"/>
+            </a:lightRig>
+          </a:scene3d>
+          <a:sp3d>
+            <a:bevelT w="63500" h="25400"/>
+          </a:sp3d>
+        </a:effectStyle>
+      </a:effectStyleLst>
+      <a:bgFillStyleLst>
+        <a:solidFill>
+          <a:schemeClr val="phClr"/>
+        </a:solidFill>
+        <a:gradFill rotWithShape="1">
+          <a:gsLst>
+            <a:gs pos="0">
+              <a:schemeClr val="phClr">
+                <a:tint val="40000"/>
+                <a:satMod val="350000"/>
+              </a:schemeClr>
+            </a:gs>
+            <a:gs pos="40000">
+              <a:schemeClr val="phClr">
+                <a:tint val="45000"/>
+                <a:shade val="99000"/>
+                <a:satMod val="350000"/>
+              </a:schemeClr>
+            </a:gs>
+            <a:gs pos="100000">
+              <a:schemeClr val="phClr">
+                <a:shade val="20000"/>
+                <a:satMod val="255000"/>
+              </a:schemeClr>
+            </a:gs>
+          </a:gsLst>
+          <a:path path="circle">
+            <a:fillToRect l="50000" t="-80000" r="50000" b="180000"/>
+          </a:path>
+        </a:gradFill>
+        <a:gradFill rotWithShape="1">
+          <a:gsLst>
+            <a:gs pos="0">
+              <a:schemeClr val="phClr">
+                <a:tint val="80000"/>
+                <a:satMod val="300000"/>
+              </a:schemeClr>
+            </a:gs>
+            <a:gs pos="100000">
+              <a:schemeClr val="phClr">
+                <a:shade val="30000"/>
+                <a:satMod val="200000"/>
+              </a:schemeClr>
+            </a:gs>
+          </a:gsLst>
+          <a:path path="circle">
+            <a:fillToRect l="50000" t="50000" r="50000" b="50000"/>
+          </a:path>
+        </a:gradFill>
+      </a:bgFillStyleLst>
+    </a:fmtScheme>
+  </a:themeElements>
+</a:theme>
+</file>
+
+<file path=ppt/theme/theme2.xml><?xml version="1.0" encoding="utf-8"?>
 <a:theme xmlns:a="http://schemas.openxmlformats.org/drawingml/2006/main" xmlns:r="http://schemas.openxmlformats.org/officeDocument/2006/relationships">
   <a:themeElements>
     <a:clrScheme name="Default">
@@ -13723,283 +13704,4 @@
     </a:fmtScheme>
   </a:themeElements>
 </a:theme>
-</file>
-
-<file path=ppt/theme/theme2.xml><?xml version="1.0" encoding="utf-8"?>
-<a:theme xmlns:a="http://schemas.openxmlformats.org/drawingml/2006/main" xmlns:r="http://schemas.openxmlformats.org/officeDocument/2006/relationships" name="Tropic">
-  <a:themeElements>
-    <a:clrScheme name="Tropic">
-      <a:dk1>
-        <a:srgbClr val="A1E8D9"/>
-      </a:dk1>
-      <a:lt1>
-        <a:srgbClr val="FFFFFF"/>
-      </a:lt1>
-      <a:dk2>
-        <a:srgbClr val="695D46"/>
-      </a:dk2>
-      <a:lt2>
-        <a:srgbClr val="B3A77D"/>
-      </a:lt2>
-      <a:accent1>
-        <a:srgbClr val="EF6C00"/>
-      </a:accent1>
-      <a:accent2>
-        <a:srgbClr val="CE93D8"/>
-      </a:accent2>
-      <a:accent3>
-        <a:srgbClr val="4DB6AC"/>
-      </a:accent3>
-      <a:accent4>
-        <a:srgbClr val="FF9800"/>
-      </a:accent4>
-      <a:accent5>
-        <a:srgbClr val="009668"/>
-      </a:accent5>
-      <a:accent6>
-        <a:srgbClr val="EEFF41"/>
-      </a:accent6>
-      <a:hlink>
-        <a:srgbClr val="009668"/>
-      </a:hlink>
-      <a:folHlink>
-        <a:srgbClr val="009668"/>
-      </a:folHlink>
-    </a:clrScheme>
-    <a:fontScheme name="Office">
-      <a:majorFont>
-        <a:latin typeface="Arial"/>
-        <a:ea typeface=""/>
-        <a:cs typeface=""/>
-        <a:font script="Jpan" typeface="ＭＳ Ｐゴシック"/>
-        <a:font script="Hang" typeface="맑은 고딕"/>
-        <a:font script="Hans" typeface="宋体"/>
-        <a:font script="Hant" typeface="新細明體"/>
-        <a:font script="Arab" typeface="Times New Roman"/>
-        <a:font script="Hebr" typeface="Times New Roman"/>
-        <a:font script="Thai" typeface="Angsana New"/>
-        <a:font script="Ethi" typeface="Nyala"/>
-        <a:font script="Beng" typeface="Vrinda"/>
-        <a:font script="Gujr" typeface="Shruti"/>
-        <a:font script="Khmr" typeface="MoolBoran"/>
-        <a:font script="Knda" typeface="Tunga"/>
-        <a:font script="Guru" typeface="Raavi"/>
-        <a:font script="Cans" typeface="Euphemia"/>
-        <a:font script="Cher" typeface="Plantagenet Cherokee"/>
-        <a:font script="Yiii" typeface="Microsoft Yi Baiti"/>
-        <a:font script="Tibt" typeface="Microsoft Himalaya"/>
-        <a:font script="Thaa" typeface="MV Boli"/>
-        <a:font script="Deva" typeface="Mangal"/>
-        <a:font script="Telu" typeface="Gautami"/>
-        <a:font script="Taml" typeface="Latha"/>
-        <a:font script="Syrc" typeface="Estrangelo Edessa"/>
-        <a:font script="Orya" typeface="Kalinga"/>
-        <a:font script="Mlym" typeface="Kartika"/>
-        <a:font script="Laoo" typeface="DokChampa"/>
-        <a:font script="Sinh" typeface="Iskoola Pota"/>
-        <a:font script="Mong" typeface="Mongolian Baiti"/>
-        <a:font script="Viet" typeface="Times New Roman"/>
-        <a:font script="Uigh" typeface="Microsoft Uighur"/>
-        <a:font script="Geor" typeface="Sylfaen"/>
-      </a:majorFont>
-      <a:minorFont>
-        <a:latin typeface="Arial"/>
-        <a:ea typeface=""/>
-        <a:cs typeface=""/>
-        <a:font script="Jpan" typeface="ＭＳ Ｐゴシック"/>
-        <a:font script="Hang" typeface="맑은 고딕"/>
-        <a:font script="Hans" typeface="宋体"/>
-        <a:font script="Hant" typeface="新細明體"/>
-        <a:font script="Arab" typeface="Arial"/>
-        <a:font script="Hebr" typeface="Arial"/>
-        <a:font script="Thai" typeface="Cordia New"/>
-        <a:font script="Ethi" typeface="Nyala"/>
-        <a:font script="Beng" typeface="Vrinda"/>
-        <a:font script="Gujr" typeface="Shruti"/>
-        <a:font script="Khmr" typeface="DaunPenh"/>
-        <a:font script="Knda" typeface="Tunga"/>
-        <a:font script="Guru" typeface="Raavi"/>
-        <a:font script="Cans" typeface="Euphemia"/>
-        <a:font script="Cher" typeface="Plantagenet Cherokee"/>
-        <a:font script="Yiii" typeface="Microsoft Yi Baiti"/>
-        <a:font script="Tibt" typeface="Microsoft Himalaya"/>
-        <a:font script="Thaa" typeface="MV Boli"/>
-        <a:font script="Deva" typeface="Mangal"/>
-        <a:font script="Telu" typeface="Gautami"/>
-        <a:font script="Taml" typeface="Latha"/>
-        <a:font script="Syrc" typeface="Estrangelo Edessa"/>
-        <a:font script="Orya" typeface="Kalinga"/>
-        <a:font script="Mlym" typeface="Kartika"/>
-        <a:font script="Laoo" typeface="DokChampa"/>
-        <a:font script="Sinh" typeface="Iskoola Pota"/>
-        <a:font script="Mong" typeface="Mongolian Baiti"/>
-        <a:font script="Viet" typeface="Arial"/>
-        <a:font script="Uigh" typeface="Microsoft Uighur"/>
-        <a:font script="Geor" typeface="Sylfaen"/>
-      </a:minorFont>
-    </a:fontScheme>
-    <a:fmtScheme name="Office">
-      <a:fillStyleLst>
-        <a:solidFill>
-          <a:schemeClr val="phClr"/>
-        </a:solidFill>
-        <a:gradFill rotWithShape="1">
-          <a:gsLst>
-            <a:gs pos="0">
-              <a:schemeClr val="phClr">
-                <a:tint val="50000"/>
-                <a:satMod val="300000"/>
-              </a:schemeClr>
-            </a:gs>
-            <a:gs pos="35000">
-              <a:schemeClr val="phClr">
-                <a:tint val="37000"/>
-                <a:satMod val="300000"/>
-              </a:schemeClr>
-            </a:gs>
-            <a:gs pos="100000">
-              <a:schemeClr val="phClr">
-                <a:tint val="15000"/>
-                <a:satMod val="350000"/>
-              </a:schemeClr>
-            </a:gs>
-          </a:gsLst>
-          <a:lin ang="16200000" scaled="1"/>
-        </a:gradFill>
-        <a:gradFill rotWithShape="1">
-          <a:gsLst>
-            <a:gs pos="0">
-              <a:schemeClr val="phClr">
-                <a:tint val="100000"/>
-                <a:shade val="100000"/>
-                <a:satMod val="130000"/>
-              </a:schemeClr>
-            </a:gs>
-            <a:gs pos="100000">
-              <a:schemeClr val="phClr">
-                <a:tint val="50000"/>
-                <a:shade val="100000"/>
-                <a:satMod val="350000"/>
-              </a:schemeClr>
-            </a:gs>
-          </a:gsLst>
-          <a:lin ang="16200000" scaled="0"/>
-        </a:gradFill>
-      </a:fillStyleLst>
-      <a:lnStyleLst>
-        <a:ln w="9525" cap="flat" cmpd="sng" algn="ctr">
-          <a:solidFill>
-            <a:schemeClr val="phClr">
-              <a:shade val="95000"/>
-              <a:satMod val="105000"/>
-            </a:schemeClr>
-          </a:solidFill>
-          <a:prstDash val="solid"/>
-        </a:ln>
-        <a:ln w="25400" cap="flat" cmpd="sng" algn="ctr">
-          <a:solidFill>
-            <a:schemeClr val="phClr"/>
-          </a:solidFill>
-          <a:prstDash val="solid"/>
-        </a:ln>
-        <a:ln w="38100" cap="flat" cmpd="sng" algn="ctr">
-          <a:solidFill>
-            <a:schemeClr val="phClr"/>
-          </a:solidFill>
-          <a:prstDash val="solid"/>
-        </a:ln>
-      </a:lnStyleLst>
-      <a:effectStyleLst>
-        <a:effectStyle>
-          <a:effectLst>
-            <a:outerShdw blurRad="40000" dist="20000" dir="5400000" rotWithShape="0">
-              <a:srgbClr val="000000">
-                <a:alpha val="38000"/>
-              </a:srgbClr>
-            </a:outerShdw>
-          </a:effectLst>
-        </a:effectStyle>
-        <a:effectStyle>
-          <a:effectLst>
-            <a:outerShdw blurRad="40000" dist="23000" dir="5400000" rotWithShape="0">
-              <a:srgbClr val="000000">
-                <a:alpha val="35000"/>
-              </a:srgbClr>
-            </a:outerShdw>
-          </a:effectLst>
-        </a:effectStyle>
-        <a:effectStyle>
-          <a:effectLst>
-            <a:outerShdw blurRad="40000" dist="23000" dir="5400000" rotWithShape="0">
-              <a:srgbClr val="000000">
-                <a:alpha val="35000"/>
-              </a:srgbClr>
-            </a:outerShdw>
-          </a:effectLst>
-          <a:scene3d>
-            <a:camera prst="orthographicFront">
-              <a:rot lat="0" lon="0" rev="0"/>
-            </a:camera>
-            <a:lightRig rig="threePt" dir="t">
-              <a:rot lat="0" lon="0" rev="1200000"/>
-            </a:lightRig>
-          </a:scene3d>
-          <a:sp3d>
-            <a:bevelT w="63500" h="25400"/>
-          </a:sp3d>
-        </a:effectStyle>
-      </a:effectStyleLst>
-      <a:bgFillStyleLst>
-        <a:solidFill>
-          <a:schemeClr val="phClr"/>
-        </a:solidFill>
-        <a:gradFill rotWithShape="1">
-          <a:gsLst>
-            <a:gs pos="0">
-              <a:schemeClr val="phClr">
-                <a:tint val="40000"/>
-                <a:satMod val="350000"/>
-              </a:schemeClr>
-            </a:gs>
-            <a:gs pos="40000">
-              <a:schemeClr val="phClr">
-                <a:tint val="45000"/>
-                <a:shade val="99000"/>
-                <a:satMod val="350000"/>
-              </a:schemeClr>
-            </a:gs>
-            <a:gs pos="100000">
-              <a:schemeClr val="phClr">
-                <a:shade val="20000"/>
-                <a:satMod val="255000"/>
-              </a:schemeClr>
-            </a:gs>
-          </a:gsLst>
-          <a:path path="circle">
-            <a:fillToRect l="50000" t="-80000" r="50000" b="180000"/>
-          </a:path>
-        </a:gradFill>
-        <a:gradFill rotWithShape="1">
-          <a:gsLst>
-            <a:gs pos="0">
-              <a:schemeClr val="phClr">
-                <a:tint val="80000"/>
-                <a:satMod val="300000"/>
-              </a:schemeClr>
-            </a:gs>
-            <a:gs pos="100000">
-              <a:schemeClr val="phClr">
-                <a:shade val="30000"/>
-                <a:satMod val="200000"/>
-              </a:schemeClr>
-            </a:gs>
-          </a:gsLst>
-          <a:path path="circle">
-            <a:fillToRect l="50000" t="50000" r="50000" b="50000"/>
-          </a:path>
-        </a:gradFill>
-      </a:bgFillStyleLst>
-    </a:fmtScheme>
-  </a:themeElements>
-</a:theme>
 </file>
--- a/hierarchical model mini lecture.pptx
+++ b/hierarchical model mini lecture.pptx
@@ -13149,6 +13149,285 @@
 </file>
 
 <file path=ppt/theme/theme1.xml><?xml version="1.0" encoding="utf-8"?>
+<a:theme xmlns:a="http://schemas.openxmlformats.org/drawingml/2006/main" xmlns:r="http://schemas.openxmlformats.org/officeDocument/2006/relationships">
+  <a:themeElements>
+    <a:clrScheme name="Default">
+      <a:dk1>
+        <a:srgbClr val="000000"/>
+      </a:dk1>
+      <a:lt1>
+        <a:srgbClr val="FFFFFF"/>
+      </a:lt1>
+      <a:dk2>
+        <a:srgbClr val="158158"/>
+      </a:dk2>
+      <a:lt2>
+        <a:srgbClr val="F3F3F3"/>
+      </a:lt2>
+      <a:accent1>
+        <a:srgbClr val="058DC7"/>
+      </a:accent1>
+      <a:accent2>
+        <a:srgbClr val="50B432"/>
+      </a:accent2>
+      <a:accent3>
+        <a:srgbClr val="ED561B"/>
+      </a:accent3>
+      <a:accent4>
+        <a:srgbClr val="EDEF00"/>
+      </a:accent4>
+      <a:accent5>
+        <a:srgbClr val="24CBE5"/>
+      </a:accent5>
+      <a:accent6>
+        <a:srgbClr val="64E572"/>
+      </a:accent6>
+      <a:hlink>
+        <a:srgbClr val="2200CC"/>
+      </a:hlink>
+      <a:folHlink>
+        <a:srgbClr val="551A8B"/>
+      </a:folHlink>
+    </a:clrScheme>
+    <a:fontScheme name="Office">
+      <a:majorFont>
+        <a:latin typeface="Arial"/>
+        <a:ea typeface=""/>
+        <a:cs typeface=""/>
+        <a:font script="Jpan" typeface="ＭＳ Ｐゴシック"/>
+        <a:font script="Hang" typeface="맑은 고딕"/>
+        <a:font script="Hans" typeface="宋体"/>
+        <a:font script="Hant" typeface="新細明體"/>
+        <a:font script="Arab" typeface="Times New Roman"/>
+        <a:font script="Hebr" typeface="Times New Roman"/>
+        <a:font script="Thai" typeface="Angsana New"/>
+        <a:font script="Ethi" typeface="Nyala"/>
+        <a:font script="Beng" typeface="Vrinda"/>
+        <a:font script="Gujr" typeface="Shruti"/>
+        <a:font script="Khmr" typeface="MoolBoran"/>
+        <a:font script="Knda" typeface="Tunga"/>
+        <a:font script="Guru" typeface="Raavi"/>
+        <a:font script="Cans" typeface="Euphemia"/>
+        <a:font script="Cher" typeface="Plantagenet Cherokee"/>
+        <a:font script="Yiii" typeface="Microsoft Yi Baiti"/>
+        <a:font script="Tibt" typeface="Microsoft Himalaya"/>
+        <a:font script="Thaa" typeface="MV Boli"/>
+        <a:font script="Deva" typeface="Mangal"/>
+        <a:font script="Telu" typeface="Gautami"/>
+        <a:font script="Taml" typeface="Latha"/>
+        <a:font script="Syrc" typeface="Estrangelo Edessa"/>
+        <a:font script="Orya" typeface="Kalinga"/>
+        <a:font script="Mlym" typeface="Kartika"/>
+        <a:font script="Laoo" typeface="DokChampa"/>
+        <a:font script="Sinh" typeface="Iskoola Pota"/>
+        <a:font script="Mong" typeface="Mongolian Baiti"/>
+        <a:font script="Viet" typeface="Times New Roman"/>
+        <a:font script="Uigh" typeface="Microsoft Uighur"/>
+        <a:font script="Geor" typeface="Sylfaen"/>
+      </a:majorFont>
+      <a:minorFont>
+        <a:latin typeface="Arial"/>
+        <a:ea typeface=""/>
+        <a:cs typeface=""/>
+        <a:font script="Jpan" typeface="ＭＳ Ｐゴシック"/>
+        <a:font script="Hang" typeface="맑은 고딕"/>
+        <a:font script="Hans" typeface="宋体"/>
+        <a:font script="Hant" typeface="新細明體"/>
+        <a:font script="Arab" typeface="Arial"/>
+        <a:font script="Hebr" typeface="Arial"/>
+        <a:font script="Thai" typeface="Cordia New"/>
+        <a:font script="Ethi" typeface="Nyala"/>
+        <a:font script="Beng" typeface="Vrinda"/>
+        <a:font script="Gujr" typeface="Shruti"/>
+        <a:font script="Khmr" typeface="DaunPenh"/>
+        <a:font script="Knda" typeface="Tunga"/>
+        <a:font script="Guru" typeface="Raavi"/>
+        <a:font script="Cans" typeface="Euphemia"/>
+        <a:font script="Cher" typeface="Plantagenet Cherokee"/>
+        <a:font script="Yiii" typeface="Microsoft Yi Baiti"/>
+        <a:font script="Tibt" typeface="Microsoft Himalaya"/>
+        <a:font script="Thaa" typeface="MV Boli"/>
+        <a:font script="Deva" typeface="Mangal"/>
+        <a:font script="Telu" typeface="Gautami"/>
+        <a:font script="Taml" typeface="Latha"/>
+        <a:font script="Syrc" typeface="Estrangelo Edessa"/>
+        <a:font script="Orya" typeface="Kalinga"/>
+        <a:font script="Mlym" typeface="Kartika"/>
+        <a:font script="Laoo" typeface="DokChampa"/>
+        <a:font script="Sinh" typeface="Iskoola Pota"/>
+        <a:font script="Mong" typeface="Mongolian Baiti"/>
+        <a:font script="Viet" typeface="Arial"/>
+        <a:font script="Uigh" typeface="Microsoft Uighur"/>
+        <a:font script="Geor" typeface="Sylfaen"/>
+      </a:minorFont>
+    </a:fontScheme>
+    <a:fmtScheme name="Office">
+      <a:fillStyleLst>
+        <a:solidFill>
+          <a:schemeClr val="phClr"/>
+        </a:solidFill>
+        <a:gradFill rotWithShape="1">
+          <a:gsLst>
+            <a:gs pos="0">
+              <a:schemeClr val="phClr">
+                <a:tint val="50000"/>
+                <a:satMod val="300000"/>
+              </a:schemeClr>
+            </a:gs>
+            <a:gs pos="35000">
+              <a:schemeClr val="phClr">
+                <a:tint val="37000"/>
+                <a:satMod val="300000"/>
+              </a:schemeClr>
+            </a:gs>
+            <a:gs pos="100000">
+              <a:schemeClr val="phClr">
+                <a:tint val="15000"/>
+                <a:satMod val="350000"/>
+              </a:schemeClr>
+            </a:gs>
+          </a:gsLst>
+          <a:lin ang="16200000" scaled="1"/>
+        </a:gradFill>
+        <a:gradFill rotWithShape="1">
+          <a:gsLst>
+            <a:gs pos="0">
+              <a:schemeClr val="phClr">
+                <a:tint val="100000"/>
+                <a:shade val="100000"/>
+                <a:satMod val="130000"/>
+              </a:schemeClr>
+            </a:gs>
+            <a:gs pos="100000">
+              <a:schemeClr val="phClr">
+                <a:tint val="50000"/>
+                <a:shade val="100000"/>
+                <a:satMod val="350000"/>
+              </a:schemeClr>
+            </a:gs>
+          </a:gsLst>
+          <a:lin ang="16200000" scaled="0"/>
+        </a:gradFill>
+      </a:fillStyleLst>
+      <a:lnStyleLst>
+        <a:ln w="9525" cap="flat" cmpd="sng" algn="ctr">
+          <a:solidFill>
+            <a:schemeClr val="phClr">
+              <a:shade val="95000"/>
+              <a:satMod val="105000"/>
+            </a:schemeClr>
+          </a:solidFill>
+          <a:prstDash val="solid"/>
+        </a:ln>
+        <a:ln w="25400" cap="flat" cmpd="sng" algn="ctr">
+          <a:solidFill>
+            <a:schemeClr val="phClr"/>
+          </a:solidFill>
+          <a:prstDash val="solid"/>
+        </a:ln>
+        <a:ln w="38100" cap="flat" cmpd="sng" algn="ctr">
+          <a:solidFill>
+            <a:schemeClr val="phClr"/>
+          </a:solidFill>
+          <a:prstDash val="solid"/>
+        </a:ln>
+      </a:lnStyleLst>
+      <a:effectStyleLst>
+        <a:effectStyle>
+          <a:effectLst>
+            <a:outerShdw blurRad="40000" dist="20000" dir="5400000" rotWithShape="0">
+              <a:srgbClr val="000000">
+                <a:alpha val="38000"/>
+              </a:srgbClr>
+            </a:outerShdw>
+          </a:effectLst>
+        </a:effectStyle>
+        <a:effectStyle>
+          <a:effectLst>
+            <a:outerShdw blurRad="40000" dist="23000" dir="5400000" rotWithShape="0">
+              <a:srgbClr val="000000">
+                <a:alpha val="35000"/>
+              </a:srgbClr>
+            </a:outerShdw>
+          </a:effectLst>
+        </a:effectStyle>
+        <a:effectStyle>
+          <a:effectLst>
+            <a:outerShdw blurRad="40000" dist="23000" dir="5400000" rotWithShape="0">
+              <a:srgbClr val="000000">
+                <a:alpha val="35000"/>
+              </a:srgbClr>
+            </a:outerShdw>
+          </a:effectLst>
+          <a:scene3d>
+            <a:camera prst="orthographicFront">
+              <a:rot lat="0" lon="0" rev="0"/>
+            </a:camera>
+            <a:lightRig rig="threePt" dir="t">
+              <a:rot lat="0" lon="0" rev="1200000"/>
+            </a:lightRig>
+          </a:scene3d>
+          <a:sp3d>
+            <a:bevelT w="63500" h="25400"/>
+          </a:sp3d>
+        </a:effectStyle>
+      </a:effectStyleLst>
+      <a:bgFillStyleLst>
+        <a:solidFill>
+          <a:schemeClr val="phClr"/>
+        </a:solidFill>
+        <a:gradFill rotWithShape="1">
+          <a:gsLst>
+            <a:gs pos="0">
+              <a:schemeClr val="phClr">
+                <a:tint val="40000"/>
+                <a:satMod val="350000"/>
+              </a:schemeClr>
+            </a:gs>
+            <a:gs pos="40000">
+              <a:schemeClr val="phClr">
+                <a:tint val="45000"/>
+                <a:shade val="99000"/>
+                <a:satMod val="350000"/>
+              </a:schemeClr>
+            </a:gs>
+            <a:gs pos="100000">
+              <a:schemeClr val="phClr">
+                <a:shade val="20000"/>
+                <a:satMod val="255000"/>
+              </a:schemeClr>
+            </a:gs>
+          </a:gsLst>
+          <a:path path="circle">
+            <a:fillToRect l="50000" t="-80000" r="50000" b="180000"/>
+          </a:path>
+        </a:gradFill>
+        <a:gradFill rotWithShape="1">
+          <a:gsLst>
+            <a:gs pos="0">
+              <a:schemeClr val="phClr">
+                <a:tint val="80000"/>
+                <a:satMod val="300000"/>
+              </a:schemeClr>
+            </a:gs>
+            <a:gs pos="100000">
+              <a:schemeClr val="phClr">
+                <a:shade val="30000"/>
+                <a:satMod val="200000"/>
+              </a:schemeClr>
+            </a:gs>
+          </a:gsLst>
+          <a:path path="circle">
+            <a:fillToRect l="50000" t="50000" r="50000" b="50000"/>
+          </a:path>
+        </a:gradFill>
+      </a:bgFillStyleLst>
+    </a:fmtScheme>
+  </a:themeElements>
+</a:theme>
+</file>
+
+<file path=ppt/theme/theme2.xml><?xml version="1.0" encoding="utf-8"?>
 <a:theme xmlns:a="http://schemas.openxmlformats.org/drawingml/2006/main" xmlns:r="http://schemas.openxmlformats.org/officeDocument/2006/relationships" name="Tropic">
   <a:themeElements>
     <a:clrScheme name="Tropic">
@@ -13425,283 +13704,4 @@
     </a:fmtScheme>
   </a:themeElements>
 </a:theme>
-</file>
-
-<file path=ppt/theme/theme2.xml><?xml version="1.0" encoding="utf-8"?>
-<a:theme xmlns:a="http://schemas.openxmlformats.org/drawingml/2006/main" xmlns:r="http://schemas.openxmlformats.org/officeDocument/2006/relationships">
-  <a:themeElements>
-    <a:clrScheme name="Default">
-      <a:dk1>
-        <a:srgbClr val="000000"/>
-      </a:dk1>
-      <a:lt1>
-        <a:srgbClr val="FFFFFF"/>
-      </a:lt1>
-      <a:dk2>
-        <a:srgbClr val="158158"/>
-      </a:dk2>
-      <a:lt2>
-        <a:srgbClr val="F3F3F3"/>
-      </a:lt2>
-      <a:accent1>
-        <a:srgbClr val="058DC7"/>
-      </a:accent1>
-      <a:accent2>
-        <a:srgbClr val="50B432"/>
-      </a:accent2>
-      <a:accent3>
-        <a:srgbClr val="ED561B"/>
-      </a:accent3>
-      <a:accent4>
-        <a:srgbClr val="EDEF00"/>
-      </a:accent4>
-      <a:accent5>
-        <a:srgbClr val="24CBE5"/>
-      </a:accent5>
-      <a:accent6>
-        <a:srgbClr val="64E572"/>
-      </a:accent6>
-      <a:hlink>
-        <a:srgbClr val="2200CC"/>
-      </a:hlink>
-      <a:folHlink>
-        <a:srgbClr val="551A8B"/>
-      </a:folHlink>
-    </a:clrScheme>
-    <a:fontScheme name="Office">
-      <a:majorFont>
-        <a:latin typeface="Arial"/>
-        <a:ea typeface=""/>
-        <a:cs typeface=""/>
-        <a:font script="Jpan" typeface="ＭＳ Ｐゴシック"/>
-        <a:font script="Hang" typeface="맑은 고딕"/>
-        <a:font script="Hans" typeface="宋体"/>
-        <a:font script="Hant" typeface="新細明體"/>
-        <a:font script="Arab" typeface="Times New Roman"/>
-        <a:font script="Hebr" typeface="Times New Roman"/>
-        <a:font script="Thai" typeface="Angsana New"/>
-        <a:font script="Ethi" typeface="Nyala"/>
-        <a:font script="Beng" typeface="Vrinda"/>
-        <a:font script="Gujr" typeface="Shruti"/>
-        <a:font script="Khmr" typeface="MoolBoran"/>
-        <a:font script="Knda" typeface="Tunga"/>
-        <a:font script="Guru" typeface="Raavi"/>
-        <a:font script="Cans" typeface="Euphemia"/>
-        <a:font script="Cher" typeface="Plantagenet Cherokee"/>
-        <a:font script="Yiii" typeface="Microsoft Yi Baiti"/>
-        <a:font script="Tibt" typeface="Microsoft Himalaya"/>
-        <a:font script="Thaa" typeface="MV Boli"/>
-        <a:font script="Deva" typeface="Mangal"/>
-        <a:font script="Telu" typeface="Gautami"/>
-        <a:font script="Taml" typeface="Latha"/>
-        <a:font script="Syrc" typeface="Estrangelo Edessa"/>
-        <a:font script="Orya" typeface="Kalinga"/>
-        <a:font script="Mlym" typeface="Kartika"/>
-        <a:font script="Laoo" typeface="DokChampa"/>
-        <a:font script="Sinh" typeface="Iskoola Pota"/>
-        <a:font script="Mong" typeface="Mongolian Baiti"/>
-        <a:font script="Viet" typeface="Times New Roman"/>
-        <a:font script="Uigh" typeface="Microsoft Uighur"/>
-        <a:font script="Geor" typeface="Sylfaen"/>
-      </a:majorFont>
-      <a:minorFont>
-        <a:latin typeface="Arial"/>
-        <a:ea typeface=""/>
-        <a:cs typeface=""/>
-        <a:font script="Jpan" typeface="ＭＳ Ｐゴシック"/>
-        <a:font script="Hang" typeface="맑은 고딕"/>
-        <a:font script="Hans" typeface="宋体"/>
-        <a:font script="Hant" typeface="新細明體"/>
-        <a:font script="Arab" typeface="Arial"/>
-        <a:font script="Hebr" typeface="Arial"/>
-        <a:font script="Thai" typeface="Cordia New"/>
-        <a:font script="Ethi" typeface="Nyala"/>
-        <a:font script="Beng" typeface="Vrinda"/>
-        <a:font script="Gujr" typeface="Shruti"/>
-        <a:font script="Khmr" typeface="DaunPenh"/>
-        <a:font script="Knda" typeface="Tunga"/>
-        <a:font script="Guru" typeface="Raavi"/>
-        <a:font script="Cans" typeface="Euphemia"/>
-        <a:font script="Cher" typeface="Plantagenet Cherokee"/>
-        <a:font script="Yiii" typeface="Microsoft Yi Baiti"/>
-        <a:font script="Tibt" typeface="Microsoft Himalaya"/>
-        <a:font script="Thaa" typeface="MV Boli"/>
-        <a:font script="Deva" typeface="Mangal"/>
-        <a:font script="Telu" typeface="Gautami"/>
-        <a:font script="Taml" typeface="Latha"/>
-        <a:font script="Syrc" typeface="Estrangelo Edessa"/>
-        <a:font script="Orya" typeface="Kalinga"/>
-        <a:font script="Mlym" typeface="Kartika"/>
-        <a:font script="Laoo" typeface="DokChampa"/>
-        <a:font script="Sinh" typeface="Iskoola Pota"/>
-        <a:font script="Mong" typeface="Mongolian Baiti"/>
-        <a:font script="Viet" typeface="Arial"/>
-        <a:font script="Uigh" typeface="Microsoft Uighur"/>
-        <a:font script="Geor" typeface="Sylfaen"/>
-      </a:minorFont>
-    </a:fontScheme>
-    <a:fmtScheme name="Office">
-      <a:fillStyleLst>
-        <a:solidFill>
-          <a:schemeClr val="phClr"/>
-        </a:solidFill>
-        <a:gradFill rotWithShape="1">
-          <a:gsLst>
-            <a:gs pos="0">
-              <a:schemeClr val="phClr">
-                <a:tint val="50000"/>
-                <a:satMod val="300000"/>
-              </a:schemeClr>
-            </a:gs>
-            <a:gs pos="35000">
-              <a:schemeClr val="phClr">
-                <a:tint val="37000"/>
-                <a:satMod val="300000"/>
-              </a:schemeClr>
-            </a:gs>
-            <a:gs pos="100000">
-              <a:schemeClr val="phClr">
-                <a:tint val="15000"/>
-                <a:satMod val="350000"/>
-              </a:schemeClr>
-            </a:gs>
-          </a:gsLst>
-          <a:lin ang="16200000" scaled="1"/>
-        </a:gradFill>
-        <a:gradFill rotWithShape="1">
-          <a:gsLst>
-            <a:gs pos="0">
-              <a:schemeClr val="phClr">
-                <a:tint val="100000"/>
-                <a:shade val="100000"/>
-                <a:satMod val="130000"/>
-              </a:schemeClr>
-            </a:gs>
-            <a:gs pos="100000">
-              <a:schemeClr val="phClr">
-                <a:tint val="50000"/>
-                <a:shade val="100000"/>
-                <a:satMod val="350000"/>
-              </a:schemeClr>
-            </a:gs>
-          </a:gsLst>
-          <a:lin ang="16200000" scaled="0"/>
-        </a:gradFill>
-      </a:fillStyleLst>
-      <a:lnStyleLst>
-        <a:ln w="9525" cap="flat" cmpd="sng" algn="ctr">
-          <a:solidFill>
-            <a:schemeClr val="phClr">
-              <a:shade val="95000"/>
-              <a:satMod val="105000"/>
-            </a:schemeClr>
-          </a:solidFill>
-          <a:prstDash val="solid"/>
-        </a:ln>
-        <a:ln w="25400" cap="flat" cmpd="sng" algn="ctr">
-          <a:solidFill>
-            <a:schemeClr val="phClr"/>
-          </a:solidFill>
-          <a:prstDash val="solid"/>
-        </a:ln>
-        <a:ln w="38100" cap="flat" cmpd="sng" algn="ctr">
-          <a:solidFill>
-            <a:schemeClr val="phClr"/>
-          </a:solidFill>
-          <a:prstDash val="solid"/>
-        </a:ln>
-      </a:lnStyleLst>
-      <a:effectStyleLst>
-        <a:effectStyle>
-          <a:effectLst>
-            <a:outerShdw blurRad="40000" dist="20000" dir="5400000" rotWithShape="0">
-              <a:srgbClr val="000000">
-                <a:alpha val="38000"/>
-              </a:srgbClr>
-            </a:outerShdw>
-          </a:effectLst>
-        </a:effectStyle>
-        <a:effectStyle>
-          <a:effectLst>
-            <a:outerShdw blurRad="40000" dist="23000" dir="5400000" rotWithShape="0">
-              <a:srgbClr val="000000">
-                <a:alpha val="35000"/>
-              </a:srgbClr>
-            </a:outerShdw>
-          </a:effectLst>
-        </a:effectStyle>
-        <a:effectStyle>
-          <a:effectLst>
-            <a:outerShdw blurRad="40000" dist="23000" dir="5400000" rotWithShape="0">
-              <a:srgbClr val="000000">
-                <a:alpha val="35000"/>
-              </a:srgbClr>
-            </a:outerShdw>
-          </a:effectLst>
-          <a:scene3d>
-            <a:camera prst="orthographicFront">
-              <a:rot lat="0" lon="0" rev="0"/>
-            </a:camera>
-            <a:lightRig rig="threePt" dir="t">
-              <a:rot lat="0" lon="0" rev="1200000"/>
-            </a:lightRig>
-          </a:scene3d>
-          <a:sp3d>
-            <a:bevelT w="63500" h="25400"/>
-          </a:sp3d>
-        </a:effectStyle>
-      </a:effectStyleLst>
-      <a:bgFillStyleLst>
-        <a:solidFill>
-          <a:schemeClr val="phClr"/>
-        </a:solidFill>
-        <a:gradFill rotWithShape="1">
-          <a:gsLst>
-            <a:gs pos="0">
-              <a:schemeClr val="phClr">
-                <a:tint val="40000"/>
-                <a:satMod val="350000"/>
-              </a:schemeClr>
-            </a:gs>
-            <a:gs pos="40000">
-              <a:schemeClr val="phClr">
-                <a:tint val="45000"/>
-                <a:shade val="99000"/>
-                <a:satMod val="350000"/>
-              </a:schemeClr>
-            </a:gs>
-            <a:gs pos="100000">
-              <a:schemeClr val="phClr">
-                <a:shade val="20000"/>
-                <a:satMod val="255000"/>
-              </a:schemeClr>
-            </a:gs>
-          </a:gsLst>
-          <a:path path="circle">
-            <a:fillToRect l="50000" t="-80000" r="50000" b="180000"/>
-          </a:path>
-        </a:gradFill>
-        <a:gradFill rotWithShape="1">
-          <a:gsLst>
-            <a:gs pos="0">
-              <a:schemeClr val="phClr">
-                <a:tint val="80000"/>
-                <a:satMod val="300000"/>
-              </a:schemeClr>
-            </a:gs>
-            <a:gs pos="100000">
-              <a:schemeClr val="phClr">
-                <a:shade val="30000"/>
-                <a:satMod val="200000"/>
-              </a:schemeClr>
-            </a:gs>
-          </a:gsLst>
-          <a:path path="circle">
-            <a:fillToRect l="50000" t="50000" r="50000" b="50000"/>
-          </a:path>
-        </a:gradFill>
-      </a:bgFillStyleLst>
-    </a:fmtScheme>
-  </a:themeElements>
-</a:theme>
 </file>